--- a/Software Engineering Presentation.pptx
+++ b/Software Engineering Presentation.pptx
@@ -183,7 +183,7 @@
           <a:noFill/>
           <a:extLst>
             <a:ext uri="{909E8E84-426E-40dd-AFC4-6F175D3DCCD1}">
-              <a14:hiddenFill xmlns="" xmlns:a14="http://schemas.microsoft.com/office/drawing/2010/main">
+              <a14:hiddenFill xmlns:a14="http://schemas.microsoft.com/office/drawing/2010/main" xmlns="">
                 <a:solidFill>
                   <a:srgbClr val="FFFFFF"/>
                 </a:solidFill>
@@ -242,7 +242,7 @@
             </a:ln>
             <a:extLst>
               <a:ext uri="{91240B29-F687-4f45-9708-019B960494DF}">
-                <a14:hiddenLine xmlns="" xmlns:a14="http://schemas.microsoft.com/office/drawing/2010/main" w="9525">
+                <a14:hiddenLine xmlns:a14="http://schemas.microsoft.com/office/drawing/2010/main" xmlns="" w="9525">
                   <a:solidFill>
                     <a:srgbClr val="000000"/>
                   </a:solidFill>
@@ -332,7 +332,7 @@
             </a:ln>
             <a:extLst>
               <a:ext uri="{91240B29-F687-4f45-9708-019B960494DF}">
-                <a14:hiddenLine xmlns="" xmlns:a14="http://schemas.microsoft.com/office/drawing/2010/main" w="9525">
+                <a14:hiddenLine xmlns:a14="http://schemas.microsoft.com/office/drawing/2010/main" xmlns="" w="9525">
                   <a:solidFill>
                     <a:srgbClr val="000000"/>
                   </a:solidFill>
@@ -422,7 +422,7 @@
             </a:ln>
             <a:extLst>
               <a:ext uri="{91240B29-F687-4f45-9708-019B960494DF}">
-                <a14:hiddenLine xmlns="" xmlns:a14="http://schemas.microsoft.com/office/drawing/2010/main" w="9525">
+                <a14:hiddenLine xmlns:a14="http://schemas.microsoft.com/office/drawing/2010/main" xmlns="" w="9525">
                   <a:solidFill>
                     <a:srgbClr val="000000"/>
                   </a:solidFill>
@@ -456,7 +456,7 @@
             </a:ln>
             <a:extLst>
               <a:ext uri="{91240B29-F687-4f45-9708-019B960494DF}">
-                <a14:hiddenLine xmlns="" xmlns:a14="http://schemas.microsoft.com/office/drawing/2010/main" w="9525">
+                <a14:hiddenLine xmlns:a14="http://schemas.microsoft.com/office/drawing/2010/main" xmlns="" w="9525">
                   <a:solidFill>
                     <a:srgbClr val="000000"/>
                   </a:solidFill>
@@ -546,7 +546,7 @@
             </a:ln>
             <a:extLst>
               <a:ext uri="{91240B29-F687-4f45-9708-019B960494DF}">
-                <a14:hiddenLine xmlns="" xmlns:a14="http://schemas.microsoft.com/office/drawing/2010/main" w="9525">
+                <a14:hiddenLine xmlns:a14="http://schemas.microsoft.com/office/drawing/2010/main" xmlns="" w="9525">
                   <a:solidFill>
                     <a:srgbClr val="000000"/>
                   </a:solidFill>
@@ -608,7 +608,7 @@
             </a:ln>
             <a:extLst>
               <a:ext uri="{91240B29-F687-4f45-9708-019B960494DF}">
-                <a14:hiddenLine xmlns="" xmlns:a14="http://schemas.microsoft.com/office/drawing/2010/main" w="9525">
+                <a14:hiddenLine xmlns:a14="http://schemas.microsoft.com/office/drawing/2010/main" xmlns="" w="9525">
                   <a:solidFill>
                     <a:srgbClr val="000000"/>
                   </a:solidFill>
@@ -670,7 +670,7 @@
             </a:ln>
             <a:extLst>
               <a:ext uri="{91240B29-F687-4f45-9708-019B960494DF}">
-                <a14:hiddenLine xmlns="" xmlns:a14="http://schemas.microsoft.com/office/drawing/2010/main" w="9525">
+                <a14:hiddenLine xmlns:a14="http://schemas.microsoft.com/office/drawing/2010/main" xmlns="" w="9525">
                   <a:solidFill>
                     <a:srgbClr val="000000"/>
                   </a:solidFill>
@@ -760,7 +760,7 @@
             </a:ln>
             <a:extLst>
               <a:ext uri="{91240B29-F687-4f45-9708-019B960494DF}">
-                <a14:hiddenLine xmlns="" xmlns:a14="http://schemas.microsoft.com/office/drawing/2010/main" w="9525">
+                <a14:hiddenLine xmlns:a14="http://schemas.microsoft.com/office/drawing/2010/main" xmlns="" w="9525">
                   <a:solidFill>
                     <a:srgbClr val="000000"/>
                   </a:solidFill>
@@ -822,7 +822,7 @@
             </a:ln>
             <a:extLst>
               <a:ext uri="{91240B29-F687-4f45-9708-019B960494DF}">
-                <a14:hiddenLine xmlns="" xmlns:a14="http://schemas.microsoft.com/office/drawing/2010/main" w="9525">
+                <a14:hiddenLine xmlns:a14="http://schemas.microsoft.com/office/drawing/2010/main" xmlns="" w="9525">
                   <a:solidFill>
                     <a:srgbClr val="000000"/>
                   </a:solidFill>
@@ -884,7 +884,7 @@
             </a:ln>
             <a:extLst>
               <a:ext uri="{91240B29-F687-4f45-9708-019B960494DF}">
-                <a14:hiddenLine xmlns="" xmlns:a14="http://schemas.microsoft.com/office/drawing/2010/main" w="9525">
+                <a14:hiddenLine xmlns:a14="http://schemas.microsoft.com/office/drawing/2010/main" xmlns="" w="9525">
                   <a:solidFill>
                     <a:srgbClr val="000000"/>
                   </a:solidFill>
@@ -974,7 +974,7 @@
             </a:ln>
             <a:extLst>
               <a:ext uri="{91240B29-F687-4f45-9708-019B960494DF}">
-                <a14:hiddenLine xmlns="" xmlns:a14="http://schemas.microsoft.com/office/drawing/2010/main" w="9525">
+                <a14:hiddenLine xmlns:a14="http://schemas.microsoft.com/office/drawing/2010/main" xmlns="" w="9525">
                   <a:solidFill>
                     <a:srgbClr val="000000"/>
                   </a:solidFill>
@@ -1064,7 +1064,7 @@
             </a:ln>
             <a:extLst>
               <a:ext uri="{91240B29-F687-4f45-9708-019B960494DF}">
-                <a14:hiddenLine xmlns="" xmlns:a14="http://schemas.microsoft.com/office/drawing/2010/main" w="9525">
+                <a14:hiddenLine xmlns:a14="http://schemas.microsoft.com/office/drawing/2010/main" xmlns="" w="9525">
                   <a:solidFill>
                     <a:srgbClr val="000000"/>
                   </a:solidFill>
@@ -1126,7 +1126,7 @@
             </a:ln>
             <a:extLst>
               <a:ext uri="{91240B29-F687-4f45-9708-019B960494DF}">
-                <a14:hiddenLine xmlns="" xmlns:a14="http://schemas.microsoft.com/office/drawing/2010/main" w="9525">
+                <a14:hiddenLine xmlns:a14="http://schemas.microsoft.com/office/drawing/2010/main" xmlns="" w="9525">
                   <a:solidFill>
                     <a:srgbClr val="000000"/>
                   </a:solidFill>
@@ -1236,7 +1236,7 @@
             </a:ln>
             <a:extLst>
               <a:ext uri="{91240B29-F687-4f45-9708-019B960494DF}">
-                <a14:hiddenLine xmlns="" xmlns:a14="http://schemas.microsoft.com/office/drawing/2010/main" w="9525">
+                <a14:hiddenLine xmlns:a14="http://schemas.microsoft.com/office/drawing/2010/main" xmlns="" w="9525">
                   <a:solidFill>
                     <a:srgbClr val="000000"/>
                   </a:solidFill>
@@ -1298,7 +1298,7 @@
             </a:ln>
             <a:extLst>
               <a:ext uri="{91240B29-F687-4f45-9708-019B960494DF}">
-                <a14:hiddenLine xmlns="" xmlns:a14="http://schemas.microsoft.com/office/drawing/2010/main" w="9525">
+                <a14:hiddenLine xmlns:a14="http://schemas.microsoft.com/office/drawing/2010/main" xmlns="" w="9525">
                   <a:solidFill>
                     <a:srgbClr val="000000"/>
                   </a:solidFill>
@@ -1388,7 +1388,7 @@
             </a:ln>
             <a:extLst>
               <a:ext uri="{91240B29-F687-4f45-9708-019B960494DF}">
-                <a14:hiddenLine xmlns="" xmlns:a14="http://schemas.microsoft.com/office/drawing/2010/main" w="9525">
+                <a14:hiddenLine xmlns:a14="http://schemas.microsoft.com/office/drawing/2010/main" xmlns="" w="9525">
                   <a:solidFill>
                     <a:srgbClr val="000000"/>
                   </a:solidFill>
@@ -1478,7 +1478,7 @@
             </a:ln>
             <a:extLst>
               <a:ext uri="{91240B29-F687-4f45-9708-019B960494DF}">
-                <a14:hiddenLine xmlns="" xmlns:a14="http://schemas.microsoft.com/office/drawing/2010/main" w="9525">
+                <a14:hiddenLine xmlns:a14="http://schemas.microsoft.com/office/drawing/2010/main" xmlns="" w="9525">
                   <a:solidFill>
                     <a:srgbClr val="000000"/>
                   </a:solidFill>
@@ -1540,7 +1540,7 @@
             </a:ln>
             <a:extLst>
               <a:ext uri="{91240B29-F687-4f45-9708-019B960494DF}">
-                <a14:hiddenLine xmlns="" xmlns:a14="http://schemas.microsoft.com/office/drawing/2010/main" w="9525">
+                <a14:hiddenLine xmlns:a14="http://schemas.microsoft.com/office/drawing/2010/main" xmlns="" w="9525">
                   <a:solidFill>
                     <a:srgbClr val="000000"/>
                   </a:solidFill>
@@ -1630,7 +1630,7 @@
             </a:ln>
             <a:extLst>
               <a:ext uri="{91240B29-F687-4f45-9708-019B960494DF}">
-                <a14:hiddenLine xmlns="" xmlns:a14="http://schemas.microsoft.com/office/drawing/2010/main" w="9525">
+                <a14:hiddenLine xmlns:a14="http://schemas.microsoft.com/office/drawing/2010/main" xmlns="" w="9525">
                   <a:solidFill>
                     <a:srgbClr val="000000"/>
                   </a:solidFill>
@@ -1720,7 +1720,7 @@
             </a:ln>
             <a:extLst>
               <a:ext uri="{91240B29-F687-4f45-9708-019B960494DF}">
-                <a14:hiddenLine xmlns="" xmlns:a14="http://schemas.microsoft.com/office/drawing/2010/main" w="9525">
+                <a14:hiddenLine xmlns:a14="http://schemas.microsoft.com/office/drawing/2010/main" xmlns="" w="9525">
                   <a:solidFill>
                     <a:srgbClr val="000000"/>
                   </a:solidFill>
@@ -1776,7 +1776,7 @@
             </a:ln>
             <a:extLst>
               <a:ext uri="{91240B29-F687-4f45-9708-019B960494DF}">
-                <a14:hiddenLine xmlns="" xmlns:a14="http://schemas.microsoft.com/office/drawing/2010/main" w="9525">
+                <a14:hiddenLine xmlns:a14="http://schemas.microsoft.com/office/drawing/2010/main" xmlns="" w="9525">
                   <a:solidFill>
                     <a:srgbClr val="000000"/>
                   </a:solidFill>
@@ -1866,7 +1866,7 @@
             </a:ln>
             <a:extLst>
               <a:ext uri="{91240B29-F687-4f45-9708-019B960494DF}">
-                <a14:hiddenLine xmlns="" xmlns:a14="http://schemas.microsoft.com/office/drawing/2010/main" w="9525">
+                <a14:hiddenLine xmlns:a14="http://schemas.microsoft.com/office/drawing/2010/main" xmlns="" w="9525">
                   <a:solidFill>
                     <a:srgbClr val="000000"/>
                   </a:solidFill>
@@ -1922,7 +1922,7 @@
             </a:ln>
             <a:extLst>
               <a:ext uri="{91240B29-F687-4f45-9708-019B960494DF}">
-                <a14:hiddenLine xmlns="" xmlns:a14="http://schemas.microsoft.com/office/drawing/2010/main" w="9525">
+                <a14:hiddenLine xmlns:a14="http://schemas.microsoft.com/office/drawing/2010/main" xmlns="" w="9525">
                   <a:solidFill>
                     <a:srgbClr val="000000"/>
                   </a:solidFill>
@@ -2012,7 +2012,7 @@
             </a:ln>
             <a:extLst>
               <a:ext uri="{91240B29-F687-4f45-9708-019B960494DF}">
-                <a14:hiddenLine xmlns="" xmlns:a14="http://schemas.microsoft.com/office/drawing/2010/main" w="9525">
+                <a14:hiddenLine xmlns:a14="http://schemas.microsoft.com/office/drawing/2010/main" xmlns="" w="9525">
                   <a:solidFill>
                     <a:srgbClr val="000000"/>
                   </a:solidFill>
@@ -2080,7 +2080,7 @@
             </a:ln>
             <a:extLst>
               <a:ext uri="{91240B29-F687-4f45-9708-019B960494DF}">
-                <a14:hiddenLine xmlns="" xmlns:a14="http://schemas.microsoft.com/office/drawing/2010/main" w="9525">
+                <a14:hiddenLine xmlns:a14="http://schemas.microsoft.com/office/drawing/2010/main" xmlns="" w="9525">
                   <a:solidFill>
                     <a:srgbClr val="000000"/>
                   </a:solidFill>
@@ -2170,7 +2170,7 @@
             </a:ln>
             <a:extLst>
               <a:ext uri="{91240B29-F687-4f45-9708-019B960494DF}">
-                <a14:hiddenLine xmlns="" xmlns:a14="http://schemas.microsoft.com/office/drawing/2010/main" w="9525">
+                <a14:hiddenLine xmlns:a14="http://schemas.microsoft.com/office/drawing/2010/main" xmlns="" w="9525">
                   <a:solidFill>
                     <a:srgbClr val="000000"/>
                   </a:solidFill>
@@ -2238,7 +2238,7 @@
             </a:ln>
             <a:extLst>
               <a:ext uri="{91240B29-F687-4f45-9708-019B960494DF}">
-                <a14:hiddenLine xmlns="" xmlns:a14="http://schemas.microsoft.com/office/drawing/2010/main" w="9525">
+                <a14:hiddenLine xmlns:a14="http://schemas.microsoft.com/office/drawing/2010/main" xmlns="" w="9525">
                   <a:solidFill>
                     <a:srgbClr val="000000"/>
                   </a:solidFill>
@@ -2328,7 +2328,7 @@
             </a:ln>
             <a:extLst>
               <a:ext uri="{91240B29-F687-4f45-9708-019B960494DF}">
-                <a14:hiddenLine xmlns="" xmlns:a14="http://schemas.microsoft.com/office/drawing/2010/main" w="9525">
+                <a14:hiddenLine xmlns:a14="http://schemas.microsoft.com/office/drawing/2010/main" xmlns="" w="9525">
                   <a:solidFill>
                     <a:srgbClr val="000000"/>
                   </a:solidFill>
@@ -2362,7 +2362,7 @@
             </a:ln>
             <a:extLst>
               <a:ext uri="{91240B29-F687-4f45-9708-019B960494DF}">
-                <a14:hiddenLine xmlns="" xmlns:a14="http://schemas.microsoft.com/office/drawing/2010/main" w="9525">
+                <a14:hiddenLine xmlns:a14="http://schemas.microsoft.com/office/drawing/2010/main" xmlns="" w="9525">
                   <a:solidFill>
                     <a:srgbClr val="000000"/>
                   </a:solidFill>
@@ -2452,7 +2452,7 @@
             </a:ln>
             <a:extLst>
               <a:ext uri="{91240B29-F687-4f45-9708-019B960494DF}">
-                <a14:hiddenLine xmlns="" xmlns:a14="http://schemas.microsoft.com/office/drawing/2010/main" w="9525">
+                <a14:hiddenLine xmlns:a14="http://schemas.microsoft.com/office/drawing/2010/main" xmlns="" w="9525">
                   <a:solidFill>
                     <a:srgbClr val="000000"/>
                   </a:solidFill>
@@ -2514,7 +2514,7 @@
             </a:ln>
             <a:extLst>
               <a:ext uri="{91240B29-F687-4f45-9708-019B960494DF}">
-                <a14:hiddenLine xmlns="" xmlns:a14="http://schemas.microsoft.com/office/drawing/2010/main" w="9525">
+                <a14:hiddenLine xmlns:a14="http://schemas.microsoft.com/office/drawing/2010/main" xmlns="" w="9525">
                   <a:solidFill>
                     <a:srgbClr val="000000"/>
                   </a:solidFill>
@@ -2576,7 +2576,7 @@
             </a:ln>
             <a:extLst>
               <a:ext uri="{91240B29-F687-4f45-9708-019B960494DF}">
-                <a14:hiddenLine xmlns="" xmlns:a14="http://schemas.microsoft.com/office/drawing/2010/main" w="9525">
+                <a14:hiddenLine xmlns:a14="http://schemas.microsoft.com/office/drawing/2010/main" xmlns="" w="9525">
                   <a:solidFill>
                     <a:srgbClr val="000000"/>
                   </a:solidFill>
@@ -2666,7 +2666,7 @@
             </a:ln>
             <a:extLst>
               <a:ext uri="{91240B29-F687-4f45-9708-019B960494DF}">
-                <a14:hiddenLine xmlns="" xmlns:a14="http://schemas.microsoft.com/office/drawing/2010/main" w="9525">
+                <a14:hiddenLine xmlns:a14="http://schemas.microsoft.com/office/drawing/2010/main" xmlns="" w="9525">
                   <a:solidFill>
                     <a:srgbClr val="000000"/>
                   </a:solidFill>
@@ -2734,7 +2734,7 @@
             </a:ln>
             <a:extLst>
               <a:ext uri="{91240B29-F687-4f45-9708-019B960494DF}">
-                <a14:hiddenLine xmlns="" xmlns:a14="http://schemas.microsoft.com/office/drawing/2010/main" w="9525">
+                <a14:hiddenLine xmlns:a14="http://schemas.microsoft.com/office/drawing/2010/main" xmlns="" w="9525">
                   <a:solidFill>
                     <a:srgbClr val="000000"/>
                   </a:solidFill>
@@ -2796,7 +2796,7 @@
             </a:ln>
             <a:extLst>
               <a:ext uri="{91240B29-F687-4f45-9708-019B960494DF}">
-                <a14:hiddenLine xmlns="" xmlns:a14="http://schemas.microsoft.com/office/drawing/2010/main" w="9525">
+                <a14:hiddenLine xmlns:a14="http://schemas.microsoft.com/office/drawing/2010/main" xmlns="" w="9525">
                   <a:solidFill>
                     <a:srgbClr val="000000"/>
                   </a:solidFill>
@@ -2886,7 +2886,7 @@
             </a:ln>
             <a:extLst>
               <a:ext uri="{91240B29-F687-4f45-9708-019B960494DF}">
-                <a14:hiddenLine xmlns="" xmlns:a14="http://schemas.microsoft.com/office/drawing/2010/main" w="9525">
+                <a14:hiddenLine xmlns:a14="http://schemas.microsoft.com/office/drawing/2010/main" xmlns="" w="9525">
                   <a:solidFill>
                     <a:srgbClr val="000000"/>
                   </a:solidFill>
@@ -2948,7 +2948,7 @@
             </a:ln>
             <a:extLst>
               <a:ext uri="{91240B29-F687-4f45-9708-019B960494DF}">
-                <a14:hiddenLine xmlns="" xmlns:a14="http://schemas.microsoft.com/office/drawing/2010/main" w="9525">
+                <a14:hiddenLine xmlns:a14="http://schemas.microsoft.com/office/drawing/2010/main" xmlns="" w="9525">
                   <a:solidFill>
                     <a:srgbClr val="000000"/>
                   </a:solidFill>
@@ -3038,7 +3038,7 @@
             </a:ln>
             <a:extLst>
               <a:ext uri="{91240B29-F687-4f45-9708-019B960494DF}">
-                <a14:hiddenLine xmlns="" xmlns:a14="http://schemas.microsoft.com/office/drawing/2010/main" w="9525">
+                <a14:hiddenLine xmlns:a14="http://schemas.microsoft.com/office/drawing/2010/main" xmlns="" w="9525">
                   <a:solidFill>
                     <a:srgbClr val="000000"/>
                   </a:solidFill>
@@ -3100,7 +3100,7 @@
             </a:ln>
             <a:extLst>
               <a:ext uri="{91240B29-F687-4f45-9708-019B960494DF}">
-                <a14:hiddenLine xmlns="" xmlns:a14="http://schemas.microsoft.com/office/drawing/2010/main" w="9525">
+                <a14:hiddenLine xmlns:a14="http://schemas.microsoft.com/office/drawing/2010/main" xmlns="" w="9525">
                   <a:solidFill>
                     <a:srgbClr val="000000"/>
                   </a:solidFill>
@@ -3190,7 +3190,7 @@
             </a:ln>
             <a:extLst>
               <a:ext uri="{91240B29-F687-4f45-9708-019B960494DF}">
-                <a14:hiddenLine xmlns="" xmlns:a14="http://schemas.microsoft.com/office/drawing/2010/main" w="9525">
+                <a14:hiddenLine xmlns:a14="http://schemas.microsoft.com/office/drawing/2010/main" xmlns="" w="9525">
                   <a:solidFill>
                     <a:srgbClr val="000000"/>
                   </a:solidFill>
@@ -3224,7 +3224,7 @@
             </a:ln>
             <a:extLst>
               <a:ext uri="{91240B29-F687-4f45-9708-019B960494DF}">
-                <a14:hiddenLine xmlns="" xmlns:a14="http://schemas.microsoft.com/office/drawing/2010/main" w="9525">
+                <a14:hiddenLine xmlns:a14="http://schemas.microsoft.com/office/drawing/2010/main" xmlns="" w="9525">
                   <a:solidFill>
                     <a:srgbClr val="000000"/>
                   </a:solidFill>
@@ -3289,7 +3289,7 @@
             </a:ln>
             <a:extLst>
               <a:ext uri="{91240B29-F687-4f45-9708-019B960494DF}">
-                <a14:hiddenLine xmlns="" xmlns:a14="http://schemas.microsoft.com/office/drawing/2010/main" w="9525">
+                <a14:hiddenLine xmlns:a14="http://schemas.microsoft.com/office/drawing/2010/main" xmlns="" w="9525">
                   <a:solidFill>
                     <a:srgbClr val="000000"/>
                   </a:solidFill>
@@ -3379,7 +3379,7 @@
             </a:ln>
             <a:extLst>
               <a:ext uri="{91240B29-F687-4f45-9708-019B960494DF}">
-                <a14:hiddenLine xmlns="" xmlns:a14="http://schemas.microsoft.com/office/drawing/2010/main" w="9525">
+                <a14:hiddenLine xmlns:a14="http://schemas.microsoft.com/office/drawing/2010/main" xmlns="" w="9525">
                   <a:solidFill>
                     <a:srgbClr val="000000"/>
                   </a:solidFill>
@@ -3441,7 +3441,7 @@
             </a:ln>
             <a:extLst>
               <a:ext uri="{91240B29-F687-4f45-9708-019B960494DF}">
-                <a14:hiddenLine xmlns="" xmlns:a14="http://schemas.microsoft.com/office/drawing/2010/main" w="9525">
+                <a14:hiddenLine xmlns:a14="http://schemas.microsoft.com/office/drawing/2010/main" xmlns="" w="9525">
                   <a:solidFill>
                     <a:srgbClr val="000000"/>
                   </a:solidFill>
@@ -3531,7 +3531,7 @@
             </a:ln>
             <a:extLst>
               <a:ext uri="{91240B29-F687-4f45-9708-019B960494DF}">
-                <a14:hiddenLine xmlns="" xmlns:a14="http://schemas.microsoft.com/office/drawing/2010/main" w="9525">
+                <a14:hiddenLine xmlns:a14="http://schemas.microsoft.com/office/drawing/2010/main" xmlns="" w="9525">
                   <a:solidFill>
                     <a:srgbClr val="000000"/>
                   </a:solidFill>
@@ -3621,7 +3621,7 @@
             </a:ln>
             <a:extLst>
               <a:ext uri="{91240B29-F687-4f45-9708-019B960494DF}">
-                <a14:hiddenLine xmlns="" xmlns:a14="http://schemas.microsoft.com/office/drawing/2010/main" w="9525">
+                <a14:hiddenLine xmlns:a14="http://schemas.microsoft.com/office/drawing/2010/main" xmlns="" w="9525">
                   <a:solidFill>
                     <a:srgbClr val="000000"/>
                   </a:solidFill>
@@ -3686,7 +3686,7 @@
             </a:ln>
             <a:extLst>
               <a:ext uri="{91240B29-F687-4f45-9708-019B960494DF}">
-                <a14:hiddenLine xmlns="" xmlns:a14="http://schemas.microsoft.com/office/drawing/2010/main" w="9525">
+                <a14:hiddenLine xmlns:a14="http://schemas.microsoft.com/office/drawing/2010/main" xmlns="" w="9525">
                   <a:solidFill>
                     <a:srgbClr val="000000"/>
                   </a:solidFill>
@@ -3748,7 +3748,7 @@
             </a:ln>
             <a:extLst>
               <a:ext uri="{91240B29-F687-4f45-9708-019B960494DF}">
-                <a14:hiddenLine xmlns="" xmlns:a14="http://schemas.microsoft.com/office/drawing/2010/main" w="9525">
+                <a14:hiddenLine xmlns:a14="http://schemas.microsoft.com/office/drawing/2010/main" xmlns="" w="9525">
                   <a:solidFill>
                     <a:srgbClr val="000000"/>
                   </a:solidFill>
@@ -3838,7 +3838,7 @@
             </a:ln>
             <a:extLst>
               <a:ext uri="{91240B29-F687-4f45-9708-019B960494DF}">
-                <a14:hiddenLine xmlns="" xmlns:a14="http://schemas.microsoft.com/office/drawing/2010/main" w="9525">
+                <a14:hiddenLine xmlns:a14="http://schemas.microsoft.com/office/drawing/2010/main" xmlns="" w="9525">
                   <a:solidFill>
                     <a:srgbClr val="000000"/>
                   </a:solidFill>
@@ -3928,7 +3928,7 @@
             </a:ln>
             <a:extLst>
               <a:ext uri="{91240B29-F687-4f45-9708-019B960494DF}">
-                <a14:hiddenLine xmlns="" xmlns:a14="http://schemas.microsoft.com/office/drawing/2010/main" w="9525">
+                <a14:hiddenLine xmlns:a14="http://schemas.microsoft.com/office/drawing/2010/main" xmlns="" w="9525">
                   <a:solidFill>
                     <a:srgbClr val="000000"/>
                   </a:solidFill>
@@ -3990,7 +3990,7 @@
             </a:ln>
             <a:extLst>
               <a:ext uri="{91240B29-F687-4f45-9708-019B960494DF}">
-                <a14:hiddenLine xmlns="" xmlns:a14="http://schemas.microsoft.com/office/drawing/2010/main" w="9525">
+                <a14:hiddenLine xmlns:a14="http://schemas.microsoft.com/office/drawing/2010/main" xmlns="" w="9525">
                   <a:solidFill>
                     <a:srgbClr val="000000"/>
                   </a:solidFill>
@@ -4110,7 +4110,7 @@
             </a:ln>
             <a:extLst>
               <a:ext uri="{91240B29-F687-4f45-9708-019B960494DF}">
-                <a14:hiddenLine xmlns="" xmlns:a14="http://schemas.microsoft.com/office/drawing/2010/main" w="9525">
+                <a14:hiddenLine xmlns:a14="http://schemas.microsoft.com/office/drawing/2010/main" xmlns="" w="9525">
                   <a:solidFill>
                     <a:srgbClr val="000000"/>
                   </a:solidFill>
@@ -4178,7 +4178,7 @@
             </a:ln>
             <a:extLst>
               <a:ext uri="{91240B29-F687-4f45-9708-019B960494DF}">
-                <a14:hiddenLine xmlns="" xmlns:a14="http://schemas.microsoft.com/office/drawing/2010/main" w="9525">
+                <a14:hiddenLine xmlns:a14="http://schemas.microsoft.com/office/drawing/2010/main" xmlns="" w="9525">
                   <a:solidFill>
                     <a:srgbClr val="000000"/>
                   </a:solidFill>
@@ -4268,7 +4268,7 @@
             </a:ln>
             <a:extLst>
               <a:ext uri="{91240B29-F687-4f45-9708-019B960494DF}">
-                <a14:hiddenLine xmlns="" xmlns:a14="http://schemas.microsoft.com/office/drawing/2010/main" w="9525">
+                <a14:hiddenLine xmlns:a14="http://schemas.microsoft.com/office/drawing/2010/main" xmlns="" w="9525">
                   <a:solidFill>
                     <a:srgbClr val="000000"/>
                   </a:solidFill>
@@ -9082,7 +9082,7 @@
           <a:noFill/>
           <a:extLst>
             <a:ext uri="{909E8E84-426E-40dd-AFC4-6F175D3DCCD1}">
-              <a14:hiddenFill xmlns="" xmlns:a14="http://schemas.microsoft.com/office/drawing/2010/main">
+              <a14:hiddenFill xmlns:a14="http://schemas.microsoft.com/office/drawing/2010/main" xmlns="">
                 <a:solidFill>
                   <a:srgbClr val="FFFFFF"/>
                 </a:solidFill>
@@ -9156,7 +9156,7 @@
               </a:ln>
               <a:extLst>
                 <a:ext uri="{91240B29-F687-4f45-9708-019B960494DF}">
-                  <a14:hiddenLine xmlns="" xmlns:a14="http://schemas.microsoft.com/office/drawing/2010/main" w="9525">
+                  <a14:hiddenLine xmlns:a14="http://schemas.microsoft.com/office/drawing/2010/main" xmlns="" w="9525">
                     <a:solidFill>
                       <a:srgbClr val="000000"/>
                     </a:solidFill>
@@ -9246,7 +9246,7 @@
               </a:ln>
               <a:extLst>
                 <a:ext uri="{91240B29-F687-4f45-9708-019B960494DF}">
-                  <a14:hiddenLine xmlns="" xmlns:a14="http://schemas.microsoft.com/office/drawing/2010/main" w="9525">
+                  <a14:hiddenLine xmlns:a14="http://schemas.microsoft.com/office/drawing/2010/main" xmlns="" w="9525">
                     <a:solidFill>
                       <a:srgbClr val="000000"/>
                     </a:solidFill>
@@ -9336,7 +9336,7 @@
               </a:ln>
               <a:extLst>
                 <a:ext uri="{91240B29-F687-4f45-9708-019B960494DF}">
-                  <a14:hiddenLine xmlns="" xmlns:a14="http://schemas.microsoft.com/office/drawing/2010/main" w="9525">
+                  <a14:hiddenLine xmlns:a14="http://schemas.microsoft.com/office/drawing/2010/main" xmlns="" w="9525">
                     <a:solidFill>
                       <a:srgbClr val="000000"/>
                     </a:solidFill>
@@ -9398,7 +9398,7 @@
               </a:ln>
               <a:extLst>
                 <a:ext uri="{91240B29-F687-4f45-9708-019B960494DF}">
-                  <a14:hiddenLine xmlns="" xmlns:a14="http://schemas.microsoft.com/office/drawing/2010/main" w="9525">
+                  <a14:hiddenLine xmlns:a14="http://schemas.microsoft.com/office/drawing/2010/main" xmlns="" w="9525">
                     <a:solidFill>
                       <a:srgbClr val="000000"/>
                     </a:solidFill>
@@ -9488,7 +9488,7 @@
               </a:ln>
               <a:extLst>
                 <a:ext uri="{91240B29-F687-4f45-9708-019B960494DF}">
-                  <a14:hiddenLine xmlns="" xmlns:a14="http://schemas.microsoft.com/office/drawing/2010/main" w="9525">
+                  <a14:hiddenLine xmlns:a14="http://schemas.microsoft.com/office/drawing/2010/main" xmlns="" w="9525">
                     <a:solidFill>
                       <a:srgbClr val="000000"/>
                     </a:solidFill>
@@ -9550,7 +9550,7 @@
               </a:ln>
               <a:extLst>
                 <a:ext uri="{91240B29-F687-4f45-9708-019B960494DF}">
-                  <a14:hiddenLine xmlns="" xmlns:a14="http://schemas.microsoft.com/office/drawing/2010/main" w="9525">
+                  <a14:hiddenLine xmlns:a14="http://schemas.microsoft.com/office/drawing/2010/main" xmlns="" w="9525">
                     <a:solidFill>
                       <a:srgbClr val="000000"/>
                     </a:solidFill>
@@ -9612,7 +9612,7 @@
               </a:ln>
               <a:extLst>
                 <a:ext uri="{91240B29-F687-4f45-9708-019B960494DF}">
-                  <a14:hiddenLine xmlns="" xmlns:a14="http://schemas.microsoft.com/office/drawing/2010/main" w="9525">
+                  <a14:hiddenLine xmlns:a14="http://schemas.microsoft.com/office/drawing/2010/main" xmlns="" w="9525">
                     <a:solidFill>
                       <a:srgbClr val="000000"/>
                     </a:solidFill>
@@ -9702,7 +9702,7 @@
               </a:ln>
               <a:extLst>
                 <a:ext uri="{91240B29-F687-4f45-9708-019B960494DF}">
-                  <a14:hiddenLine xmlns="" xmlns:a14="http://schemas.microsoft.com/office/drawing/2010/main" w="9525">
+                  <a14:hiddenLine xmlns:a14="http://schemas.microsoft.com/office/drawing/2010/main" xmlns="" w="9525">
                     <a:solidFill>
                       <a:srgbClr val="000000"/>
                     </a:solidFill>
@@ -9792,7 +9792,7 @@
               </a:ln>
               <a:extLst>
                 <a:ext uri="{91240B29-F687-4f45-9708-019B960494DF}">
-                  <a14:hiddenLine xmlns="" xmlns:a14="http://schemas.microsoft.com/office/drawing/2010/main" w="9525">
+                  <a14:hiddenLine xmlns:a14="http://schemas.microsoft.com/office/drawing/2010/main" xmlns="" w="9525">
                     <a:solidFill>
                       <a:srgbClr val="000000"/>
                     </a:solidFill>
@@ -9854,7 +9854,7 @@
               </a:ln>
               <a:extLst>
                 <a:ext uri="{91240B29-F687-4f45-9708-019B960494DF}">
-                  <a14:hiddenLine xmlns="" xmlns:a14="http://schemas.microsoft.com/office/drawing/2010/main" w="9525">
+                  <a14:hiddenLine xmlns:a14="http://schemas.microsoft.com/office/drawing/2010/main" xmlns="" w="9525">
                     <a:solidFill>
                       <a:srgbClr val="000000"/>
                     </a:solidFill>
@@ -9964,7 +9964,7 @@
               </a:ln>
               <a:extLst>
                 <a:ext uri="{91240B29-F687-4f45-9708-019B960494DF}">
-                  <a14:hiddenLine xmlns="" xmlns:a14="http://schemas.microsoft.com/office/drawing/2010/main" w="9525">
+                  <a14:hiddenLine xmlns:a14="http://schemas.microsoft.com/office/drawing/2010/main" xmlns="" w="9525">
                     <a:solidFill>
                       <a:srgbClr val="000000"/>
                     </a:solidFill>
@@ -10048,7 +10048,7 @@
               </a:ln>
               <a:extLst>
                 <a:ext uri="{91240B29-F687-4f45-9708-019B960494DF}">
-                  <a14:hiddenLine xmlns="" xmlns:a14="http://schemas.microsoft.com/office/drawing/2010/main" w="9525">
+                  <a14:hiddenLine xmlns:a14="http://schemas.microsoft.com/office/drawing/2010/main" xmlns="" w="9525">
                     <a:solidFill>
                       <a:srgbClr val="000000"/>
                     </a:solidFill>
@@ -10110,7 +10110,7 @@
               </a:ln>
               <a:extLst>
                 <a:ext uri="{91240B29-F687-4f45-9708-019B960494DF}">
-                  <a14:hiddenLine xmlns="" xmlns:a14="http://schemas.microsoft.com/office/drawing/2010/main" w="9525">
+                  <a14:hiddenLine xmlns:a14="http://schemas.microsoft.com/office/drawing/2010/main" xmlns="" w="9525">
                     <a:solidFill>
                       <a:srgbClr val="000000"/>
                     </a:solidFill>
@@ -10172,7 +10172,7 @@
               </a:ln>
               <a:extLst>
                 <a:ext uri="{91240B29-F687-4f45-9708-019B960494DF}">
-                  <a14:hiddenLine xmlns="" xmlns:a14="http://schemas.microsoft.com/office/drawing/2010/main" w="9525">
+                  <a14:hiddenLine xmlns:a14="http://schemas.microsoft.com/office/drawing/2010/main" xmlns="" w="9525">
                     <a:solidFill>
                       <a:srgbClr val="000000"/>
                     </a:solidFill>
@@ -10262,7 +10262,7 @@
               </a:ln>
               <a:extLst>
                 <a:ext uri="{91240B29-F687-4f45-9708-019B960494DF}">
-                  <a14:hiddenLine xmlns="" xmlns:a14="http://schemas.microsoft.com/office/drawing/2010/main" w="9525">
+                  <a14:hiddenLine xmlns:a14="http://schemas.microsoft.com/office/drawing/2010/main" xmlns="" w="9525">
                     <a:solidFill>
                       <a:srgbClr val="000000"/>
                     </a:solidFill>
@@ -10296,7 +10296,7 @@
               </a:ln>
               <a:extLst>
                 <a:ext uri="{91240B29-F687-4f45-9708-019B960494DF}">
-                  <a14:hiddenLine xmlns="" xmlns:a14="http://schemas.microsoft.com/office/drawing/2010/main" w="9525">
+                  <a14:hiddenLine xmlns:a14="http://schemas.microsoft.com/office/drawing/2010/main" xmlns="" w="9525">
                     <a:solidFill>
                       <a:srgbClr val="000000"/>
                     </a:solidFill>
@@ -10361,7 +10361,7 @@
               </a:ln>
               <a:extLst>
                 <a:ext uri="{91240B29-F687-4f45-9708-019B960494DF}">
-                  <a14:hiddenLine xmlns="" xmlns:a14="http://schemas.microsoft.com/office/drawing/2010/main" w="9525">
+                  <a14:hiddenLine xmlns:a14="http://schemas.microsoft.com/office/drawing/2010/main" xmlns="" w="9525">
                     <a:solidFill>
                       <a:srgbClr val="000000"/>
                     </a:solidFill>
@@ -10451,7 +10451,7 @@
               </a:ln>
               <a:extLst>
                 <a:ext uri="{91240B29-F687-4f45-9708-019B960494DF}">
-                  <a14:hiddenLine xmlns="" xmlns:a14="http://schemas.microsoft.com/office/drawing/2010/main" w="9525">
+                  <a14:hiddenLine xmlns:a14="http://schemas.microsoft.com/office/drawing/2010/main" xmlns="" w="9525">
                     <a:solidFill>
                       <a:srgbClr val="000000"/>
                     </a:solidFill>
@@ -10513,7 +10513,7 @@
               </a:ln>
               <a:extLst>
                 <a:ext uri="{91240B29-F687-4f45-9708-019B960494DF}">
-                  <a14:hiddenLine xmlns="" xmlns:a14="http://schemas.microsoft.com/office/drawing/2010/main" w="9525">
+                  <a14:hiddenLine xmlns:a14="http://schemas.microsoft.com/office/drawing/2010/main" xmlns="" w="9525">
                     <a:solidFill>
                       <a:srgbClr val="000000"/>
                     </a:solidFill>
@@ -10603,7 +10603,7 @@
               </a:ln>
               <a:extLst>
                 <a:ext uri="{91240B29-F687-4f45-9708-019B960494DF}">
-                  <a14:hiddenLine xmlns="" xmlns:a14="http://schemas.microsoft.com/office/drawing/2010/main" w="9525">
+                  <a14:hiddenLine xmlns:a14="http://schemas.microsoft.com/office/drawing/2010/main" xmlns="" w="9525">
                     <a:solidFill>
                       <a:srgbClr val="000000"/>
                     </a:solidFill>
@@ -10668,7 +10668,7 @@
               </a:ln>
               <a:extLst>
                 <a:ext uri="{91240B29-F687-4f45-9708-019B960494DF}">
-                  <a14:hiddenLine xmlns="" xmlns:a14="http://schemas.microsoft.com/office/drawing/2010/main" w="9525">
+                  <a14:hiddenLine xmlns:a14="http://schemas.microsoft.com/office/drawing/2010/main" xmlns="" w="9525">
                     <a:solidFill>
                       <a:srgbClr val="000000"/>
                     </a:solidFill>
@@ -10730,7 +10730,7 @@
               </a:ln>
               <a:extLst>
                 <a:ext uri="{91240B29-F687-4f45-9708-019B960494DF}">
-                  <a14:hiddenLine xmlns="" xmlns:a14="http://schemas.microsoft.com/office/drawing/2010/main" w="9525">
+                  <a14:hiddenLine xmlns:a14="http://schemas.microsoft.com/office/drawing/2010/main" xmlns="" w="9525">
                     <a:solidFill>
                       <a:srgbClr val="000000"/>
                     </a:solidFill>
@@ -10820,7 +10820,7 @@
               </a:ln>
               <a:extLst>
                 <a:ext uri="{91240B29-F687-4f45-9708-019B960494DF}">
-                  <a14:hiddenLine xmlns="" xmlns:a14="http://schemas.microsoft.com/office/drawing/2010/main" w="9525">
+                  <a14:hiddenLine xmlns:a14="http://schemas.microsoft.com/office/drawing/2010/main" xmlns="" w="9525">
                     <a:solidFill>
                       <a:srgbClr val="000000"/>
                     </a:solidFill>
@@ -10910,7 +10910,7 @@
               </a:ln>
               <a:extLst>
                 <a:ext uri="{91240B29-F687-4f45-9708-019B960494DF}">
-                  <a14:hiddenLine xmlns="" xmlns:a14="http://schemas.microsoft.com/office/drawing/2010/main" w="9525">
+                  <a14:hiddenLine xmlns:a14="http://schemas.microsoft.com/office/drawing/2010/main" xmlns="" w="9525">
                     <a:solidFill>
                       <a:srgbClr val="000000"/>
                     </a:solidFill>
@@ -10975,7 +10975,7 @@
               </a:ln>
               <a:extLst>
                 <a:ext uri="{91240B29-F687-4f45-9708-019B960494DF}">
-                  <a14:hiddenLine xmlns="" xmlns:a14="http://schemas.microsoft.com/office/drawing/2010/main" w="9525">
+                  <a14:hiddenLine xmlns:a14="http://schemas.microsoft.com/office/drawing/2010/main" xmlns="" w="9525">
                     <a:solidFill>
                       <a:srgbClr val="000000"/>
                     </a:solidFill>
@@ -11095,7 +11095,7 @@
               </a:ln>
               <a:extLst>
                 <a:ext uri="{91240B29-F687-4f45-9708-019B960494DF}">
-                  <a14:hiddenLine xmlns="" xmlns:a14="http://schemas.microsoft.com/office/drawing/2010/main" w="9525">
+                  <a14:hiddenLine xmlns:a14="http://schemas.microsoft.com/office/drawing/2010/main" xmlns="" w="9525">
                     <a:solidFill>
                       <a:srgbClr val="000000"/>
                     </a:solidFill>
@@ -11176,7 +11176,7 @@
               </a:ln>
               <a:extLst>
                 <a:ext uri="{91240B29-F687-4f45-9708-019B960494DF}">
-                  <a14:hiddenLine xmlns="" xmlns:a14="http://schemas.microsoft.com/office/drawing/2010/main" w="9525">
+                  <a14:hiddenLine xmlns:a14="http://schemas.microsoft.com/office/drawing/2010/main" xmlns="" w="9525">
                     <a:solidFill>
                       <a:srgbClr val="000000"/>
                     </a:solidFill>
@@ -11291,7 +11291,7 @@
               </a:ln>
               <a:extLst>
                 <a:ext uri="{91240B29-F687-4f45-9708-019B960494DF}">
-                  <a14:hiddenLine xmlns="" xmlns:a14="http://schemas.microsoft.com/office/drawing/2010/main" w="9525">
+                  <a14:hiddenLine xmlns:a14="http://schemas.microsoft.com/office/drawing/2010/main" xmlns="" w="9525">
                     <a:solidFill>
                       <a:srgbClr val="000000"/>
                     </a:solidFill>
@@ -11381,7 +11381,7 @@
               </a:ln>
               <a:extLst>
                 <a:ext uri="{91240B29-F687-4f45-9708-019B960494DF}">
-                  <a14:hiddenLine xmlns="" xmlns:a14="http://schemas.microsoft.com/office/drawing/2010/main" w="9525">
+                  <a14:hiddenLine xmlns:a14="http://schemas.microsoft.com/office/drawing/2010/main" xmlns="" w="9525">
                     <a:solidFill>
                       <a:srgbClr val="000000"/>
                     </a:solidFill>
@@ -11446,7 +11446,7 @@
               </a:ln>
               <a:extLst>
                 <a:ext uri="{91240B29-F687-4f45-9708-019B960494DF}">
-                  <a14:hiddenLine xmlns="" xmlns:a14="http://schemas.microsoft.com/office/drawing/2010/main" w="9525">
+                  <a14:hiddenLine xmlns:a14="http://schemas.microsoft.com/office/drawing/2010/main" xmlns="" w="9525">
                     <a:solidFill>
                       <a:srgbClr val="000000"/>
                     </a:solidFill>
@@ -11536,7 +11536,7 @@
               </a:ln>
               <a:extLst>
                 <a:ext uri="{91240B29-F687-4f45-9708-019B960494DF}">
-                  <a14:hiddenLine xmlns="" xmlns:a14="http://schemas.microsoft.com/office/drawing/2010/main" w="9525">
+                  <a14:hiddenLine xmlns:a14="http://schemas.microsoft.com/office/drawing/2010/main" xmlns="" w="9525">
                     <a:solidFill>
                       <a:srgbClr val="000000"/>
                     </a:solidFill>
@@ -11604,7 +11604,7 @@
               </a:ln>
               <a:extLst>
                 <a:ext uri="{91240B29-F687-4f45-9708-019B960494DF}">
-                  <a14:hiddenLine xmlns="" xmlns:a14="http://schemas.microsoft.com/office/drawing/2010/main" w="9525">
+                  <a14:hiddenLine xmlns:a14="http://schemas.microsoft.com/office/drawing/2010/main" xmlns="" w="9525">
                     <a:solidFill>
                       <a:srgbClr val="000000"/>
                     </a:solidFill>
@@ -11694,7 +11694,7 @@
               </a:ln>
               <a:extLst>
                 <a:ext uri="{91240B29-F687-4f45-9708-019B960494DF}">
-                  <a14:hiddenLine xmlns="" xmlns:a14="http://schemas.microsoft.com/office/drawing/2010/main" w="9525">
+                  <a14:hiddenLine xmlns:a14="http://schemas.microsoft.com/office/drawing/2010/main" xmlns="" w="9525">
                     <a:solidFill>
                       <a:srgbClr val="000000"/>
                     </a:solidFill>
@@ -11762,7 +11762,7 @@
               </a:ln>
               <a:extLst>
                 <a:ext uri="{91240B29-F687-4f45-9708-019B960494DF}">
-                  <a14:hiddenLine xmlns="" xmlns:a14="http://schemas.microsoft.com/office/drawing/2010/main" w="9525">
+                  <a14:hiddenLine xmlns:a14="http://schemas.microsoft.com/office/drawing/2010/main" xmlns="" w="9525">
                     <a:solidFill>
                       <a:srgbClr val="000000"/>
                     </a:solidFill>
@@ -11852,7 +11852,7 @@
               </a:ln>
               <a:extLst>
                 <a:ext uri="{91240B29-F687-4f45-9708-019B960494DF}">
-                  <a14:hiddenLine xmlns="" xmlns:a14="http://schemas.microsoft.com/office/drawing/2010/main" w="9525">
+                  <a14:hiddenLine xmlns:a14="http://schemas.microsoft.com/office/drawing/2010/main" xmlns="" w="9525">
                     <a:solidFill>
                       <a:srgbClr val="000000"/>
                     </a:solidFill>
@@ -11886,7 +11886,7 @@
               </a:ln>
               <a:extLst>
                 <a:ext uri="{91240B29-F687-4f45-9708-019B960494DF}">
-                  <a14:hiddenLine xmlns="" xmlns:a14="http://schemas.microsoft.com/office/drawing/2010/main" w="9525">
+                  <a14:hiddenLine xmlns:a14="http://schemas.microsoft.com/office/drawing/2010/main" xmlns="" w="9525">
                     <a:solidFill>
                       <a:srgbClr val="000000"/>
                     </a:solidFill>
@@ -13026,7 +13026,7 @@
             <p:ph idx="1"/>
             <p:extLst>
               <p:ext uri="{D42A27DB-BD31-4B8C-83A1-F6EECF244321}">
-                <p14:modId xmlns:p14="http://schemas.microsoft.com/office/powerpoint/2010/main" val="1175777865"/>
+                <p14:modId xmlns:p14="http://schemas.microsoft.com/office/powerpoint/2010/main" val="844600425"/>
               </p:ext>
             </p:extLst>
           </p:nvPr>
@@ -13315,7 +13315,7 @@
                     <a:p>
                       <a:r>
                         <a:rPr lang="en-US" dirty="0"/>
-                        <a:t>Blank page</a:t>
+                        <a:t>Shows calculated GPA</a:t>
                       </a:r>
                     </a:p>
                   </a:txBody>
@@ -13328,7 +13328,7 @@
                     <a:p>
                       <a:r>
                         <a:rPr lang="en-US" dirty="0"/>
-                        <a:t>Fail</a:t>
+                        <a:t>Pass</a:t>
                       </a:r>
                     </a:p>
                   </a:txBody>
@@ -13531,7 +13531,7 @@
                     <a:p>
                       <a:r>
                         <a:rPr lang="en-US" dirty="0"/>
-                        <a:t>Test case for adding / removing courses</a:t>
+                        <a:t>Test case for administrator viewing all students</a:t>
                       </a:r>
                     </a:p>
                   </a:txBody>
@@ -13544,7 +13544,7 @@
                     <a:p>
                       <a:r>
                         <a:rPr lang="en-US" dirty="0"/>
-                        <a:t>Gives option to add or remove courses</a:t>
+                        <a:t>Admin view all info</a:t>
                       </a:r>
                     </a:p>
                   </a:txBody>
@@ -13557,7 +13557,7 @@
                     <a:p>
                       <a:r>
                         <a:rPr lang="en-US" dirty="0"/>
-                        <a:t>Allows Student to add or remove courses</a:t>
+                        <a:t>Student only sees itself</a:t>
                       </a:r>
                     </a:p>
                   </a:txBody>
@@ -13570,7 +13570,7 @@
                     <a:p>
                       <a:r>
                         <a:rPr lang="en-US" dirty="0"/>
-                        <a:t>Blank Page</a:t>
+                        <a:t>Administrator views all students</a:t>
                       </a:r>
                     </a:p>
                   </a:txBody>
@@ -13583,7 +13583,7 @@
                     <a:p>
                       <a:r>
                         <a:rPr lang="en-US" dirty="0"/>
-                        <a:t>Fail</a:t>
+                        <a:t>Pass</a:t>
                       </a:r>
                     </a:p>
                   </a:txBody>

--- a/Software Engineering Presentation.pptx
+++ b/Software Engineering Presentation.pptx
@@ -126,6 +126,10 @@
 </p:presentation>
 </file>
 
+<file path=ppt/revisionInfo.xml><?xml version="1.0" encoding="utf-8"?>
+<p1510:revInfo xmlns:a="http://schemas.openxmlformats.org/drawingml/2006/main" xmlns:r="http://schemas.openxmlformats.org/officeDocument/2006/relationships" xmlns:p1510="http://schemas.microsoft.com/office/powerpoint/2015/10/main"/>
+</file>
+
 <file path=ppt/slideLayouts/slideLayout1.xml><?xml version="1.0" encoding="utf-8"?>
 <p:sldLayout xmlns:a="http://schemas.openxmlformats.org/drawingml/2006/main" xmlns:r="http://schemas.openxmlformats.org/officeDocument/2006/relationships" xmlns:p="http://schemas.openxmlformats.org/presentationml/2006/main" showMasterSp="0" type="title" preserve="1">
   <p:cSld name="Title Slide">
@@ -183,7 +187,7 @@
           <a:noFill/>
           <a:extLst>
             <a:ext uri="{909E8E84-426E-40dd-AFC4-6F175D3DCCD1}">
-              <a14:hiddenFill xmlns:a14="http://schemas.microsoft.com/office/drawing/2010/main" xmlns="">
+              <a14:hiddenFill xmlns="" xmlns:a14="http://schemas.microsoft.com/office/drawing/2010/main">
                 <a:solidFill>
                   <a:srgbClr val="FFFFFF"/>
                 </a:solidFill>
@@ -242,7 +246,7 @@
             </a:ln>
             <a:extLst>
               <a:ext uri="{91240B29-F687-4f45-9708-019B960494DF}">
-                <a14:hiddenLine xmlns:a14="http://schemas.microsoft.com/office/drawing/2010/main" xmlns="" w="9525">
+                <a14:hiddenLine xmlns="" xmlns:a14="http://schemas.microsoft.com/office/drawing/2010/main" w="9525">
                   <a:solidFill>
                     <a:srgbClr val="000000"/>
                   </a:solidFill>
@@ -332,7 +336,7 @@
             </a:ln>
             <a:extLst>
               <a:ext uri="{91240B29-F687-4f45-9708-019B960494DF}">
-                <a14:hiddenLine xmlns:a14="http://schemas.microsoft.com/office/drawing/2010/main" xmlns="" w="9525">
+                <a14:hiddenLine xmlns="" xmlns:a14="http://schemas.microsoft.com/office/drawing/2010/main" w="9525">
                   <a:solidFill>
                     <a:srgbClr val="000000"/>
                   </a:solidFill>
@@ -422,7 +426,7 @@
             </a:ln>
             <a:extLst>
               <a:ext uri="{91240B29-F687-4f45-9708-019B960494DF}">
-                <a14:hiddenLine xmlns:a14="http://schemas.microsoft.com/office/drawing/2010/main" xmlns="" w="9525">
+                <a14:hiddenLine xmlns="" xmlns:a14="http://schemas.microsoft.com/office/drawing/2010/main" w="9525">
                   <a:solidFill>
                     <a:srgbClr val="000000"/>
                   </a:solidFill>
@@ -456,7 +460,7 @@
             </a:ln>
             <a:extLst>
               <a:ext uri="{91240B29-F687-4f45-9708-019B960494DF}">
-                <a14:hiddenLine xmlns:a14="http://schemas.microsoft.com/office/drawing/2010/main" xmlns="" w="9525">
+                <a14:hiddenLine xmlns="" xmlns:a14="http://schemas.microsoft.com/office/drawing/2010/main" w="9525">
                   <a:solidFill>
                     <a:srgbClr val="000000"/>
                   </a:solidFill>
@@ -546,7 +550,7 @@
             </a:ln>
             <a:extLst>
               <a:ext uri="{91240B29-F687-4f45-9708-019B960494DF}">
-                <a14:hiddenLine xmlns:a14="http://schemas.microsoft.com/office/drawing/2010/main" xmlns="" w="9525">
+                <a14:hiddenLine xmlns="" xmlns:a14="http://schemas.microsoft.com/office/drawing/2010/main" w="9525">
                   <a:solidFill>
                     <a:srgbClr val="000000"/>
                   </a:solidFill>
@@ -608,7 +612,7 @@
             </a:ln>
             <a:extLst>
               <a:ext uri="{91240B29-F687-4f45-9708-019B960494DF}">
-                <a14:hiddenLine xmlns:a14="http://schemas.microsoft.com/office/drawing/2010/main" xmlns="" w="9525">
+                <a14:hiddenLine xmlns="" xmlns:a14="http://schemas.microsoft.com/office/drawing/2010/main" w="9525">
                   <a:solidFill>
                     <a:srgbClr val="000000"/>
                   </a:solidFill>
@@ -670,7 +674,7 @@
             </a:ln>
             <a:extLst>
               <a:ext uri="{91240B29-F687-4f45-9708-019B960494DF}">
-                <a14:hiddenLine xmlns:a14="http://schemas.microsoft.com/office/drawing/2010/main" xmlns="" w="9525">
+                <a14:hiddenLine xmlns="" xmlns:a14="http://schemas.microsoft.com/office/drawing/2010/main" w="9525">
                   <a:solidFill>
                     <a:srgbClr val="000000"/>
                   </a:solidFill>
@@ -760,7 +764,7 @@
             </a:ln>
             <a:extLst>
               <a:ext uri="{91240B29-F687-4f45-9708-019B960494DF}">
-                <a14:hiddenLine xmlns:a14="http://schemas.microsoft.com/office/drawing/2010/main" xmlns="" w="9525">
+                <a14:hiddenLine xmlns="" xmlns:a14="http://schemas.microsoft.com/office/drawing/2010/main" w="9525">
                   <a:solidFill>
                     <a:srgbClr val="000000"/>
                   </a:solidFill>
@@ -822,7 +826,7 @@
             </a:ln>
             <a:extLst>
               <a:ext uri="{91240B29-F687-4f45-9708-019B960494DF}">
-                <a14:hiddenLine xmlns:a14="http://schemas.microsoft.com/office/drawing/2010/main" xmlns="" w="9525">
+                <a14:hiddenLine xmlns="" xmlns:a14="http://schemas.microsoft.com/office/drawing/2010/main" w="9525">
                   <a:solidFill>
                     <a:srgbClr val="000000"/>
                   </a:solidFill>
@@ -884,7 +888,7 @@
             </a:ln>
             <a:extLst>
               <a:ext uri="{91240B29-F687-4f45-9708-019B960494DF}">
-                <a14:hiddenLine xmlns:a14="http://schemas.microsoft.com/office/drawing/2010/main" xmlns="" w="9525">
+                <a14:hiddenLine xmlns="" xmlns:a14="http://schemas.microsoft.com/office/drawing/2010/main" w="9525">
                   <a:solidFill>
                     <a:srgbClr val="000000"/>
                   </a:solidFill>
@@ -974,7 +978,7 @@
             </a:ln>
             <a:extLst>
               <a:ext uri="{91240B29-F687-4f45-9708-019B960494DF}">
-                <a14:hiddenLine xmlns:a14="http://schemas.microsoft.com/office/drawing/2010/main" xmlns="" w="9525">
+                <a14:hiddenLine xmlns="" xmlns:a14="http://schemas.microsoft.com/office/drawing/2010/main" w="9525">
                   <a:solidFill>
                     <a:srgbClr val="000000"/>
                   </a:solidFill>
@@ -1064,7 +1068,7 @@
             </a:ln>
             <a:extLst>
               <a:ext uri="{91240B29-F687-4f45-9708-019B960494DF}">
-                <a14:hiddenLine xmlns:a14="http://schemas.microsoft.com/office/drawing/2010/main" xmlns="" w="9525">
+                <a14:hiddenLine xmlns="" xmlns:a14="http://schemas.microsoft.com/office/drawing/2010/main" w="9525">
                   <a:solidFill>
                     <a:srgbClr val="000000"/>
                   </a:solidFill>
@@ -1126,7 +1130,7 @@
             </a:ln>
             <a:extLst>
               <a:ext uri="{91240B29-F687-4f45-9708-019B960494DF}">
-                <a14:hiddenLine xmlns:a14="http://schemas.microsoft.com/office/drawing/2010/main" xmlns="" w="9525">
+                <a14:hiddenLine xmlns="" xmlns:a14="http://schemas.microsoft.com/office/drawing/2010/main" w="9525">
                   <a:solidFill>
                     <a:srgbClr val="000000"/>
                   </a:solidFill>
@@ -1236,7 +1240,7 @@
             </a:ln>
             <a:extLst>
               <a:ext uri="{91240B29-F687-4f45-9708-019B960494DF}">
-                <a14:hiddenLine xmlns:a14="http://schemas.microsoft.com/office/drawing/2010/main" xmlns="" w="9525">
+                <a14:hiddenLine xmlns="" xmlns:a14="http://schemas.microsoft.com/office/drawing/2010/main" w="9525">
                   <a:solidFill>
                     <a:srgbClr val="000000"/>
                   </a:solidFill>
@@ -1298,7 +1302,7 @@
             </a:ln>
             <a:extLst>
               <a:ext uri="{91240B29-F687-4f45-9708-019B960494DF}">
-                <a14:hiddenLine xmlns:a14="http://schemas.microsoft.com/office/drawing/2010/main" xmlns="" w="9525">
+                <a14:hiddenLine xmlns="" xmlns:a14="http://schemas.microsoft.com/office/drawing/2010/main" w="9525">
                   <a:solidFill>
                     <a:srgbClr val="000000"/>
                   </a:solidFill>
@@ -1388,7 +1392,7 @@
             </a:ln>
             <a:extLst>
               <a:ext uri="{91240B29-F687-4f45-9708-019B960494DF}">
-                <a14:hiddenLine xmlns:a14="http://schemas.microsoft.com/office/drawing/2010/main" xmlns="" w="9525">
+                <a14:hiddenLine xmlns="" xmlns:a14="http://schemas.microsoft.com/office/drawing/2010/main" w="9525">
                   <a:solidFill>
                     <a:srgbClr val="000000"/>
                   </a:solidFill>
@@ -1478,7 +1482,7 @@
             </a:ln>
             <a:extLst>
               <a:ext uri="{91240B29-F687-4f45-9708-019B960494DF}">
-                <a14:hiddenLine xmlns:a14="http://schemas.microsoft.com/office/drawing/2010/main" xmlns="" w="9525">
+                <a14:hiddenLine xmlns="" xmlns:a14="http://schemas.microsoft.com/office/drawing/2010/main" w="9525">
                   <a:solidFill>
                     <a:srgbClr val="000000"/>
                   </a:solidFill>
@@ -1540,7 +1544,7 @@
             </a:ln>
             <a:extLst>
               <a:ext uri="{91240B29-F687-4f45-9708-019B960494DF}">
-                <a14:hiddenLine xmlns:a14="http://schemas.microsoft.com/office/drawing/2010/main" xmlns="" w="9525">
+                <a14:hiddenLine xmlns="" xmlns:a14="http://schemas.microsoft.com/office/drawing/2010/main" w="9525">
                   <a:solidFill>
                     <a:srgbClr val="000000"/>
                   </a:solidFill>
@@ -1630,7 +1634,7 @@
             </a:ln>
             <a:extLst>
               <a:ext uri="{91240B29-F687-4f45-9708-019B960494DF}">
-                <a14:hiddenLine xmlns:a14="http://schemas.microsoft.com/office/drawing/2010/main" xmlns="" w="9525">
+                <a14:hiddenLine xmlns="" xmlns:a14="http://schemas.microsoft.com/office/drawing/2010/main" w="9525">
                   <a:solidFill>
                     <a:srgbClr val="000000"/>
                   </a:solidFill>
@@ -1720,7 +1724,7 @@
             </a:ln>
             <a:extLst>
               <a:ext uri="{91240B29-F687-4f45-9708-019B960494DF}">
-                <a14:hiddenLine xmlns:a14="http://schemas.microsoft.com/office/drawing/2010/main" xmlns="" w="9525">
+                <a14:hiddenLine xmlns="" xmlns:a14="http://schemas.microsoft.com/office/drawing/2010/main" w="9525">
                   <a:solidFill>
                     <a:srgbClr val="000000"/>
                   </a:solidFill>
@@ -1776,7 +1780,7 @@
             </a:ln>
             <a:extLst>
               <a:ext uri="{91240B29-F687-4f45-9708-019B960494DF}">
-                <a14:hiddenLine xmlns:a14="http://schemas.microsoft.com/office/drawing/2010/main" xmlns="" w="9525">
+                <a14:hiddenLine xmlns="" xmlns:a14="http://schemas.microsoft.com/office/drawing/2010/main" w="9525">
                   <a:solidFill>
                     <a:srgbClr val="000000"/>
                   </a:solidFill>
@@ -1866,7 +1870,7 @@
             </a:ln>
             <a:extLst>
               <a:ext uri="{91240B29-F687-4f45-9708-019B960494DF}">
-                <a14:hiddenLine xmlns:a14="http://schemas.microsoft.com/office/drawing/2010/main" xmlns="" w="9525">
+                <a14:hiddenLine xmlns="" xmlns:a14="http://schemas.microsoft.com/office/drawing/2010/main" w="9525">
                   <a:solidFill>
                     <a:srgbClr val="000000"/>
                   </a:solidFill>
@@ -1922,7 +1926,7 @@
             </a:ln>
             <a:extLst>
               <a:ext uri="{91240B29-F687-4f45-9708-019B960494DF}">
-                <a14:hiddenLine xmlns:a14="http://schemas.microsoft.com/office/drawing/2010/main" xmlns="" w="9525">
+                <a14:hiddenLine xmlns="" xmlns:a14="http://schemas.microsoft.com/office/drawing/2010/main" w="9525">
                   <a:solidFill>
                     <a:srgbClr val="000000"/>
                   </a:solidFill>
@@ -2012,7 +2016,7 @@
             </a:ln>
             <a:extLst>
               <a:ext uri="{91240B29-F687-4f45-9708-019B960494DF}">
-                <a14:hiddenLine xmlns:a14="http://schemas.microsoft.com/office/drawing/2010/main" xmlns="" w="9525">
+                <a14:hiddenLine xmlns="" xmlns:a14="http://schemas.microsoft.com/office/drawing/2010/main" w="9525">
                   <a:solidFill>
                     <a:srgbClr val="000000"/>
                   </a:solidFill>
@@ -2080,7 +2084,7 @@
             </a:ln>
             <a:extLst>
               <a:ext uri="{91240B29-F687-4f45-9708-019B960494DF}">
-                <a14:hiddenLine xmlns:a14="http://schemas.microsoft.com/office/drawing/2010/main" xmlns="" w="9525">
+                <a14:hiddenLine xmlns="" xmlns:a14="http://schemas.microsoft.com/office/drawing/2010/main" w="9525">
                   <a:solidFill>
                     <a:srgbClr val="000000"/>
                   </a:solidFill>
@@ -2170,7 +2174,7 @@
             </a:ln>
             <a:extLst>
               <a:ext uri="{91240B29-F687-4f45-9708-019B960494DF}">
-                <a14:hiddenLine xmlns:a14="http://schemas.microsoft.com/office/drawing/2010/main" xmlns="" w="9525">
+                <a14:hiddenLine xmlns="" xmlns:a14="http://schemas.microsoft.com/office/drawing/2010/main" w="9525">
                   <a:solidFill>
                     <a:srgbClr val="000000"/>
                   </a:solidFill>
@@ -2238,7 +2242,7 @@
             </a:ln>
             <a:extLst>
               <a:ext uri="{91240B29-F687-4f45-9708-019B960494DF}">
-                <a14:hiddenLine xmlns:a14="http://schemas.microsoft.com/office/drawing/2010/main" xmlns="" w="9525">
+                <a14:hiddenLine xmlns="" xmlns:a14="http://schemas.microsoft.com/office/drawing/2010/main" w="9525">
                   <a:solidFill>
                     <a:srgbClr val="000000"/>
                   </a:solidFill>
@@ -2328,7 +2332,7 @@
             </a:ln>
             <a:extLst>
               <a:ext uri="{91240B29-F687-4f45-9708-019B960494DF}">
-                <a14:hiddenLine xmlns:a14="http://schemas.microsoft.com/office/drawing/2010/main" xmlns="" w="9525">
+                <a14:hiddenLine xmlns="" xmlns:a14="http://schemas.microsoft.com/office/drawing/2010/main" w="9525">
                   <a:solidFill>
                     <a:srgbClr val="000000"/>
                   </a:solidFill>
@@ -2362,7 +2366,7 @@
             </a:ln>
             <a:extLst>
               <a:ext uri="{91240B29-F687-4f45-9708-019B960494DF}">
-                <a14:hiddenLine xmlns:a14="http://schemas.microsoft.com/office/drawing/2010/main" xmlns="" w="9525">
+                <a14:hiddenLine xmlns="" xmlns:a14="http://schemas.microsoft.com/office/drawing/2010/main" w="9525">
                   <a:solidFill>
                     <a:srgbClr val="000000"/>
                   </a:solidFill>
@@ -2452,7 +2456,7 @@
             </a:ln>
             <a:extLst>
               <a:ext uri="{91240B29-F687-4f45-9708-019B960494DF}">
-                <a14:hiddenLine xmlns:a14="http://schemas.microsoft.com/office/drawing/2010/main" xmlns="" w="9525">
+                <a14:hiddenLine xmlns="" xmlns:a14="http://schemas.microsoft.com/office/drawing/2010/main" w="9525">
                   <a:solidFill>
                     <a:srgbClr val="000000"/>
                   </a:solidFill>
@@ -2514,7 +2518,7 @@
             </a:ln>
             <a:extLst>
               <a:ext uri="{91240B29-F687-4f45-9708-019B960494DF}">
-                <a14:hiddenLine xmlns:a14="http://schemas.microsoft.com/office/drawing/2010/main" xmlns="" w="9525">
+                <a14:hiddenLine xmlns="" xmlns:a14="http://schemas.microsoft.com/office/drawing/2010/main" w="9525">
                   <a:solidFill>
                     <a:srgbClr val="000000"/>
                   </a:solidFill>
@@ -2576,7 +2580,7 @@
             </a:ln>
             <a:extLst>
               <a:ext uri="{91240B29-F687-4f45-9708-019B960494DF}">
-                <a14:hiddenLine xmlns:a14="http://schemas.microsoft.com/office/drawing/2010/main" xmlns="" w="9525">
+                <a14:hiddenLine xmlns="" xmlns:a14="http://schemas.microsoft.com/office/drawing/2010/main" w="9525">
                   <a:solidFill>
                     <a:srgbClr val="000000"/>
                   </a:solidFill>
@@ -2666,7 +2670,7 @@
             </a:ln>
             <a:extLst>
               <a:ext uri="{91240B29-F687-4f45-9708-019B960494DF}">
-                <a14:hiddenLine xmlns:a14="http://schemas.microsoft.com/office/drawing/2010/main" xmlns="" w="9525">
+                <a14:hiddenLine xmlns="" xmlns:a14="http://schemas.microsoft.com/office/drawing/2010/main" w="9525">
                   <a:solidFill>
                     <a:srgbClr val="000000"/>
                   </a:solidFill>
@@ -2734,7 +2738,7 @@
             </a:ln>
             <a:extLst>
               <a:ext uri="{91240B29-F687-4f45-9708-019B960494DF}">
-                <a14:hiddenLine xmlns:a14="http://schemas.microsoft.com/office/drawing/2010/main" xmlns="" w="9525">
+                <a14:hiddenLine xmlns="" xmlns:a14="http://schemas.microsoft.com/office/drawing/2010/main" w="9525">
                   <a:solidFill>
                     <a:srgbClr val="000000"/>
                   </a:solidFill>
@@ -2796,7 +2800,7 @@
             </a:ln>
             <a:extLst>
               <a:ext uri="{91240B29-F687-4f45-9708-019B960494DF}">
-                <a14:hiddenLine xmlns:a14="http://schemas.microsoft.com/office/drawing/2010/main" xmlns="" w="9525">
+                <a14:hiddenLine xmlns="" xmlns:a14="http://schemas.microsoft.com/office/drawing/2010/main" w="9525">
                   <a:solidFill>
                     <a:srgbClr val="000000"/>
                   </a:solidFill>
@@ -2886,7 +2890,7 @@
             </a:ln>
             <a:extLst>
               <a:ext uri="{91240B29-F687-4f45-9708-019B960494DF}">
-                <a14:hiddenLine xmlns:a14="http://schemas.microsoft.com/office/drawing/2010/main" xmlns="" w="9525">
+                <a14:hiddenLine xmlns="" xmlns:a14="http://schemas.microsoft.com/office/drawing/2010/main" w="9525">
                   <a:solidFill>
                     <a:srgbClr val="000000"/>
                   </a:solidFill>
@@ -2948,7 +2952,7 @@
             </a:ln>
             <a:extLst>
               <a:ext uri="{91240B29-F687-4f45-9708-019B960494DF}">
-                <a14:hiddenLine xmlns:a14="http://schemas.microsoft.com/office/drawing/2010/main" xmlns="" w="9525">
+                <a14:hiddenLine xmlns="" xmlns:a14="http://schemas.microsoft.com/office/drawing/2010/main" w="9525">
                   <a:solidFill>
                     <a:srgbClr val="000000"/>
                   </a:solidFill>
@@ -3038,7 +3042,7 @@
             </a:ln>
             <a:extLst>
               <a:ext uri="{91240B29-F687-4f45-9708-019B960494DF}">
-                <a14:hiddenLine xmlns:a14="http://schemas.microsoft.com/office/drawing/2010/main" xmlns="" w="9525">
+                <a14:hiddenLine xmlns="" xmlns:a14="http://schemas.microsoft.com/office/drawing/2010/main" w="9525">
                   <a:solidFill>
                     <a:srgbClr val="000000"/>
                   </a:solidFill>
@@ -3100,7 +3104,7 @@
             </a:ln>
             <a:extLst>
               <a:ext uri="{91240B29-F687-4f45-9708-019B960494DF}">
-                <a14:hiddenLine xmlns:a14="http://schemas.microsoft.com/office/drawing/2010/main" xmlns="" w="9525">
+                <a14:hiddenLine xmlns="" xmlns:a14="http://schemas.microsoft.com/office/drawing/2010/main" w="9525">
                   <a:solidFill>
                     <a:srgbClr val="000000"/>
                   </a:solidFill>
@@ -3190,7 +3194,7 @@
             </a:ln>
             <a:extLst>
               <a:ext uri="{91240B29-F687-4f45-9708-019B960494DF}">
-                <a14:hiddenLine xmlns:a14="http://schemas.microsoft.com/office/drawing/2010/main" xmlns="" w="9525">
+                <a14:hiddenLine xmlns="" xmlns:a14="http://schemas.microsoft.com/office/drawing/2010/main" w="9525">
                   <a:solidFill>
                     <a:srgbClr val="000000"/>
                   </a:solidFill>
@@ -3224,7 +3228,7 @@
             </a:ln>
             <a:extLst>
               <a:ext uri="{91240B29-F687-4f45-9708-019B960494DF}">
-                <a14:hiddenLine xmlns:a14="http://schemas.microsoft.com/office/drawing/2010/main" xmlns="" w="9525">
+                <a14:hiddenLine xmlns="" xmlns:a14="http://schemas.microsoft.com/office/drawing/2010/main" w="9525">
                   <a:solidFill>
                     <a:srgbClr val="000000"/>
                   </a:solidFill>
@@ -3289,7 +3293,7 @@
             </a:ln>
             <a:extLst>
               <a:ext uri="{91240B29-F687-4f45-9708-019B960494DF}">
-                <a14:hiddenLine xmlns:a14="http://schemas.microsoft.com/office/drawing/2010/main" xmlns="" w="9525">
+                <a14:hiddenLine xmlns="" xmlns:a14="http://schemas.microsoft.com/office/drawing/2010/main" w="9525">
                   <a:solidFill>
                     <a:srgbClr val="000000"/>
                   </a:solidFill>
@@ -3379,7 +3383,7 @@
             </a:ln>
             <a:extLst>
               <a:ext uri="{91240B29-F687-4f45-9708-019B960494DF}">
-                <a14:hiddenLine xmlns:a14="http://schemas.microsoft.com/office/drawing/2010/main" xmlns="" w="9525">
+                <a14:hiddenLine xmlns="" xmlns:a14="http://schemas.microsoft.com/office/drawing/2010/main" w="9525">
                   <a:solidFill>
                     <a:srgbClr val="000000"/>
                   </a:solidFill>
@@ -3441,7 +3445,7 @@
             </a:ln>
             <a:extLst>
               <a:ext uri="{91240B29-F687-4f45-9708-019B960494DF}">
-                <a14:hiddenLine xmlns:a14="http://schemas.microsoft.com/office/drawing/2010/main" xmlns="" w="9525">
+                <a14:hiddenLine xmlns="" xmlns:a14="http://schemas.microsoft.com/office/drawing/2010/main" w="9525">
                   <a:solidFill>
                     <a:srgbClr val="000000"/>
                   </a:solidFill>
@@ -3531,7 +3535,7 @@
             </a:ln>
             <a:extLst>
               <a:ext uri="{91240B29-F687-4f45-9708-019B960494DF}">
-                <a14:hiddenLine xmlns:a14="http://schemas.microsoft.com/office/drawing/2010/main" xmlns="" w="9525">
+                <a14:hiddenLine xmlns="" xmlns:a14="http://schemas.microsoft.com/office/drawing/2010/main" w="9525">
                   <a:solidFill>
                     <a:srgbClr val="000000"/>
                   </a:solidFill>
@@ -3621,7 +3625,7 @@
             </a:ln>
             <a:extLst>
               <a:ext uri="{91240B29-F687-4f45-9708-019B960494DF}">
-                <a14:hiddenLine xmlns:a14="http://schemas.microsoft.com/office/drawing/2010/main" xmlns="" w="9525">
+                <a14:hiddenLine xmlns="" xmlns:a14="http://schemas.microsoft.com/office/drawing/2010/main" w="9525">
                   <a:solidFill>
                     <a:srgbClr val="000000"/>
                   </a:solidFill>
@@ -3686,7 +3690,7 @@
             </a:ln>
             <a:extLst>
               <a:ext uri="{91240B29-F687-4f45-9708-019B960494DF}">
-                <a14:hiddenLine xmlns:a14="http://schemas.microsoft.com/office/drawing/2010/main" xmlns="" w="9525">
+                <a14:hiddenLine xmlns="" xmlns:a14="http://schemas.microsoft.com/office/drawing/2010/main" w="9525">
                   <a:solidFill>
                     <a:srgbClr val="000000"/>
                   </a:solidFill>
@@ -3748,7 +3752,7 @@
             </a:ln>
             <a:extLst>
               <a:ext uri="{91240B29-F687-4f45-9708-019B960494DF}">
-                <a14:hiddenLine xmlns:a14="http://schemas.microsoft.com/office/drawing/2010/main" xmlns="" w="9525">
+                <a14:hiddenLine xmlns="" xmlns:a14="http://schemas.microsoft.com/office/drawing/2010/main" w="9525">
                   <a:solidFill>
                     <a:srgbClr val="000000"/>
                   </a:solidFill>
@@ -3838,7 +3842,7 @@
             </a:ln>
             <a:extLst>
               <a:ext uri="{91240B29-F687-4f45-9708-019B960494DF}">
-                <a14:hiddenLine xmlns:a14="http://schemas.microsoft.com/office/drawing/2010/main" xmlns="" w="9525">
+                <a14:hiddenLine xmlns="" xmlns:a14="http://schemas.microsoft.com/office/drawing/2010/main" w="9525">
                   <a:solidFill>
                     <a:srgbClr val="000000"/>
                   </a:solidFill>
@@ -3928,7 +3932,7 @@
             </a:ln>
             <a:extLst>
               <a:ext uri="{91240B29-F687-4f45-9708-019B960494DF}">
-                <a14:hiddenLine xmlns:a14="http://schemas.microsoft.com/office/drawing/2010/main" xmlns="" w="9525">
+                <a14:hiddenLine xmlns="" xmlns:a14="http://schemas.microsoft.com/office/drawing/2010/main" w="9525">
                   <a:solidFill>
                     <a:srgbClr val="000000"/>
                   </a:solidFill>
@@ -3990,7 +3994,7 @@
             </a:ln>
             <a:extLst>
               <a:ext uri="{91240B29-F687-4f45-9708-019B960494DF}">
-                <a14:hiddenLine xmlns:a14="http://schemas.microsoft.com/office/drawing/2010/main" xmlns="" w="9525">
+                <a14:hiddenLine xmlns="" xmlns:a14="http://schemas.microsoft.com/office/drawing/2010/main" w="9525">
                   <a:solidFill>
                     <a:srgbClr val="000000"/>
                   </a:solidFill>
@@ -4110,7 +4114,7 @@
             </a:ln>
             <a:extLst>
               <a:ext uri="{91240B29-F687-4f45-9708-019B960494DF}">
-                <a14:hiddenLine xmlns:a14="http://schemas.microsoft.com/office/drawing/2010/main" xmlns="" w="9525">
+                <a14:hiddenLine xmlns="" xmlns:a14="http://schemas.microsoft.com/office/drawing/2010/main" w="9525">
                   <a:solidFill>
                     <a:srgbClr val="000000"/>
                   </a:solidFill>
@@ -4178,7 +4182,7 @@
             </a:ln>
             <a:extLst>
               <a:ext uri="{91240B29-F687-4f45-9708-019B960494DF}">
-                <a14:hiddenLine xmlns:a14="http://schemas.microsoft.com/office/drawing/2010/main" xmlns="" w="9525">
+                <a14:hiddenLine xmlns="" xmlns:a14="http://schemas.microsoft.com/office/drawing/2010/main" w="9525">
                   <a:solidFill>
                     <a:srgbClr val="000000"/>
                   </a:solidFill>
@@ -4268,7 +4272,7 @@
             </a:ln>
             <a:extLst>
               <a:ext uri="{91240B29-F687-4f45-9708-019B960494DF}">
-                <a14:hiddenLine xmlns:a14="http://schemas.microsoft.com/office/drawing/2010/main" xmlns="" w="9525">
+                <a14:hiddenLine xmlns="" xmlns:a14="http://schemas.microsoft.com/office/drawing/2010/main" w="9525">
                   <a:solidFill>
                     <a:srgbClr val="000000"/>
                   </a:solidFill>
@@ -9082,7 +9086,7 @@
           <a:noFill/>
           <a:extLst>
             <a:ext uri="{909E8E84-426E-40dd-AFC4-6F175D3DCCD1}">
-              <a14:hiddenFill xmlns:a14="http://schemas.microsoft.com/office/drawing/2010/main" xmlns="">
+              <a14:hiddenFill xmlns="" xmlns:a14="http://schemas.microsoft.com/office/drawing/2010/main">
                 <a:solidFill>
                   <a:srgbClr val="FFFFFF"/>
                 </a:solidFill>
@@ -9156,7 +9160,7 @@
               </a:ln>
               <a:extLst>
                 <a:ext uri="{91240B29-F687-4f45-9708-019B960494DF}">
-                  <a14:hiddenLine xmlns:a14="http://schemas.microsoft.com/office/drawing/2010/main" xmlns="" w="9525">
+                  <a14:hiddenLine xmlns="" xmlns:a14="http://schemas.microsoft.com/office/drawing/2010/main" w="9525">
                     <a:solidFill>
                       <a:srgbClr val="000000"/>
                     </a:solidFill>
@@ -9246,7 +9250,7 @@
               </a:ln>
               <a:extLst>
                 <a:ext uri="{91240B29-F687-4f45-9708-019B960494DF}">
-                  <a14:hiddenLine xmlns:a14="http://schemas.microsoft.com/office/drawing/2010/main" xmlns="" w="9525">
+                  <a14:hiddenLine xmlns="" xmlns:a14="http://schemas.microsoft.com/office/drawing/2010/main" w="9525">
                     <a:solidFill>
                       <a:srgbClr val="000000"/>
                     </a:solidFill>
@@ -9336,7 +9340,7 @@
               </a:ln>
               <a:extLst>
                 <a:ext uri="{91240B29-F687-4f45-9708-019B960494DF}">
-                  <a14:hiddenLine xmlns:a14="http://schemas.microsoft.com/office/drawing/2010/main" xmlns="" w="9525">
+                  <a14:hiddenLine xmlns="" xmlns:a14="http://schemas.microsoft.com/office/drawing/2010/main" w="9525">
                     <a:solidFill>
                       <a:srgbClr val="000000"/>
                     </a:solidFill>
@@ -9398,7 +9402,7 @@
               </a:ln>
               <a:extLst>
                 <a:ext uri="{91240B29-F687-4f45-9708-019B960494DF}">
-                  <a14:hiddenLine xmlns:a14="http://schemas.microsoft.com/office/drawing/2010/main" xmlns="" w="9525">
+                  <a14:hiddenLine xmlns="" xmlns:a14="http://schemas.microsoft.com/office/drawing/2010/main" w="9525">
                     <a:solidFill>
                       <a:srgbClr val="000000"/>
                     </a:solidFill>
@@ -9488,7 +9492,7 @@
               </a:ln>
               <a:extLst>
                 <a:ext uri="{91240B29-F687-4f45-9708-019B960494DF}">
-                  <a14:hiddenLine xmlns:a14="http://schemas.microsoft.com/office/drawing/2010/main" xmlns="" w="9525">
+                  <a14:hiddenLine xmlns="" xmlns:a14="http://schemas.microsoft.com/office/drawing/2010/main" w="9525">
                     <a:solidFill>
                       <a:srgbClr val="000000"/>
                     </a:solidFill>
@@ -9550,7 +9554,7 @@
               </a:ln>
               <a:extLst>
                 <a:ext uri="{91240B29-F687-4f45-9708-019B960494DF}">
-                  <a14:hiddenLine xmlns:a14="http://schemas.microsoft.com/office/drawing/2010/main" xmlns="" w="9525">
+                  <a14:hiddenLine xmlns="" xmlns:a14="http://schemas.microsoft.com/office/drawing/2010/main" w="9525">
                     <a:solidFill>
                       <a:srgbClr val="000000"/>
                     </a:solidFill>
@@ -9612,7 +9616,7 @@
               </a:ln>
               <a:extLst>
                 <a:ext uri="{91240B29-F687-4f45-9708-019B960494DF}">
-                  <a14:hiddenLine xmlns:a14="http://schemas.microsoft.com/office/drawing/2010/main" xmlns="" w="9525">
+                  <a14:hiddenLine xmlns="" xmlns:a14="http://schemas.microsoft.com/office/drawing/2010/main" w="9525">
                     <a:solidFill>
                       <a:srgbClr val="000000"/>
                     </a:solidFill>
@@ -9702,7 +9706,7 @@
               </a:ln>
               <a:extLst>
                 <a:ext uri="{91240B29-F687-4f45-9708-019B960494DF}">
-                  <a14:hiddenLine xmlns:a14="http://schemas.microsoft.com/office/drawing/2010/main" xmlns="" w="9525">
+                  <a14:hiddenLine xmlns="" xmlns:a14="http://schemas.microsoft.com/office/drawing/2010/main" w="9525">
                     <a:solidFill>
                       <a:srgbClr val="000000"/>
                     </a:solidFill>
@@ -9792,7 +9796,7 @@
               </a:ln>
               <a:extLst>
                 <a:ext uri="{91240B29-F687-4f45-9708-019B960494DF}">
-                  <a14:hiddenLine xmlns:a14="http://schemas.microsoft.com/office/drawing/2010/main" xmlns="" w="9525">
+                  <a14:hiddenLine xmlns="" xmlns:a14="http://schemas.microsoft.com/office/drawing/2010/main" w="9525">
                     <a:solidFill>
                       <a:srgbClr val="000000"/>
                     </a:solidFill>
@@ -9854,7 +9858,7 @@
               </a:ln>
               <a:extLst>
                 <a:ext uri="{91240B29-F687-4f45-9708-019B960494DF}">
-                  <a14:hiddenLine xmlns:a14="http://schemas.microsoft.com/office/drawing/2010/main" xmlns="" w="9525">
+                  <a14:hiddenLine xmlns="" xmlns:a14="http://schemas.microsoft.com/office/drawing/2010/main" w="9525">
                     <a:solidFill>
                       <a:srgbClr val="000000"/>
                     </a:solidFill>
@@ -9964,7 +9968,7 @@
               </a:ln>
               <a:extLst>
                 <a:ext uri="{91240B29-F687-4f45-9708-019B960494DF}">
-                  <a14:hiddenLine xmlns:a14="http://schemas.microsoft.com/office/drawing/2010/main" xmlns="" w="9525">
+                  <a14:hiddenLine xmlns="" xmlns:a14="http://schemas.microsoft.com/office/drawing/2010/main" w="9525">
                     <a:solidFill>
                       <a:srgbClr val="000000"/>
                     </a:solidFill>
@@ -10048,7 +10052,7 @@
               </a:ln>
               <a:extLst>
                 <a:ext uri="{91240B29-F687-4f45-9708-019B960494DF}">
-                  <a14:hiddenLine xmlns:a14="http://schemas.microsoft.com/office/drawing/2010/main" xmlns="" w="9525">
+                  <a14:hiddenLine xmlns="" xmlns:a14="http://schemas.microsoft.com/office/drawing/2010/main" w="9525">
                     <a:solidFill>
                       <a:srgbClr val="000000"/>
                     </a:solidFill>
@@ -10110,7 +10114,7 @@
               </a:ln>
               <a:extLst>
                 <a:ext uri="{91240B29-F687-4f45-9708-019B960494DF}">
-                  <a14:hiddenLine xmlns:a14="http://schemas.microsoft.com/office/drawing/2010/main" xmlns="" w="9525">
+                  <a14:hiddenLine xmlns="" xmlns:a14="http://schemas.microsoft.com/office/drawing/2010/main" w="9525">
                     <a:solidFill>
                       <a:srgbClr val="000000"/>
                     </a:solidFill>
@@ -10172,7 +10176,7 @@
               </a:ln>
               <a:extLst>
                 <a:ext uri="{91240B29-F687-4f45-9708-019B960494DF}">
-                  <a14:hiddenLine xmlns:a14="http://schemas.microsoft.com/office/drawing/2010/main" xmlns="" w="9525">
+                  <a14:hiddenLine xmlns="" xmlns:a14="http://schemas.microsoft.com/office/drawing/2010/main" w="9525">
                     <a:solidFill>
                       <a:srgbClr val="000000"/>
                     </a:solidFill>
@@ -10262,7 +10266,7 @@
               </a:ln>
               <a:extLst>
                 <a:ext uri="{91240B29-F687-4f45-9708-019B960494DF}">
-                  <a14:hiddenLine xmlns:a14="http://schemas.microsoft.com/office/drawing/2010/main" xmlns="" w="9525">
+                  <a14:hiddenLine xmlns="" xmlns:a14="http://schemas.microsoft.com/office/drawing/2010/main" w="9525">
                     <a:solidFill>
                       <a:srgbClr val="000000"/>
                     </a:solidFill>
@@ -10296,7 +10300,7 @@
               </a:ln>
               <a:extLst>
                 <a:ext uri="{91240B29-F687-4f45-9708-019B960494DF}">
-                  <a14:hiddenLine xmlns:a14="http://schemas.microsoft.com/office/drawing/2010/main" xmlns="" w="9525">
+                  <a14:hiddenLine xmlns="" xmlns:a14="http://schemas.microsoft.com/office/drawing/2010/main" w="9525">
                     <a:solidFill>
                       <a:srgbClr val="000000"/>
                     </a:solidFill>
@@ -10361,7 +10365,7 @@
               </a:ln>
               <a:extLst>
                 <a:ext uri="{91240B29-F687-4f45-9708-019B960494DF}">
-                  <a14:hiddenLine xmlns:a14="http://schemas.microsoft.com/office/drawing/2010/main" xmlns="" w="9525">
+                  <a14:hiddenLine xmlns="" xmlns:a14="http://schemas.microsoft.com/office/drawing/2010/main" w="9525">
                     <a:solidFill>
                       <a:srgbClr val="000000"/>
                     </a:solidFill>
@@ -10451,7 +10455,7 @@
               </a:ln>
               <a:extLst>
                 <a:ext uri="{91240B29-F687-4f45-9708-019B960494DF}">
-                  <a14:hiddenLine xmlns:a14="http://schemas.microsoft.com/office/drawing/2010/main" xmlns="" w="9525">
+                  <a14:hiddenLine xmlns="" xmlns:a14="http://schemas.microsoft.com/office/drawing/2010/main" w="9525">
                     <a:solidFill>
                       <a:srgbClr val="000000"/>
                     </a:solidFill>
@@ -10513,7 +10517,7 @@
               </a:ln>
               <a:extLst>
                 <a:ext uri="{91240B29-F687-4f45-9708-019B960494DF}">
-                  <a14:hiddenLine xmlns:a14="http://schemas.microsoft.com/office/drawing/2010/main" xmlns="" w="9525">
+                  <a14:hiddenLine xmlns="" xmlns:a14="http://schemas.microsoft.com/office/drawing/2010/main" w="9525">
                     <a:solidFill>
                       <a:srgbClr val="000000"/>
                     </a:solidFill>
@@ -10603,7 +10607,7 @@
               </a:ln>
               <a:extLst>
                 <a:ext uri="{91240B29-F687-4f45-9708-019B960494DF}">
-                  <a14:hiddenLine xmlns:a14="http://schemas.microsoft.com/office/drawing/2010/main" xmlns="" w="9525">
+                  <a14:hiddenLine xmlns="" xmlns:a14="http://schemas.microsoft.com/office/drawing/2010/main" w="9525">
                     <a:solidFill>
                       <a:srgbClr val="000000"/>
                     </a:solidFill>
@@ -10668,7 +10672,7 @@
               </a:ln>
               <a:extLst>
                 <a:ext uri="{91240B29-F687-4f45-9708-019B960494DF}">
-                  <a14:hiddenLine xmlns:a14="http://schemas.microsoft.com/office/drawing/2010/main" xmlns="" w="9525">
+                  <a14:hiddenLine xmlns="" xmlns:a14="http://schemas.microsoft.com/office/drawing/2010/main" w="9525">
                     <a:solidFill>
                       <a:srgbClr val="000000"/>
                     </a:solidFill>
@@ -10730,7 +10734,7 @@
               </a:ln>
               <a:extLst>
                 <a:ext uri="{91240B29-F687-4f45-9708-019B960494DF}">
-                  <a14:hiddenLine xmlns:a14="http://schemas.microsoft.com/office/drawing/2010/main" xmlns="" w="9525">
+                  <a14:hiddenLine xmlns="" xmlns:a14="http://schemas.microsoft.com/office/drawing/2010/main" w="9525">
                     <a:solidFill>
                       <a:srgbClr val="000000"/>
                     </a:solidFill>
@@ -10820,7 +10824,7 @@
               </a:ln>
               <a:extLst>
                 <a:ext uri="{91240B29-F687-4f45-9708-019B960494DF}">
-                  <a14:hiddenLine xmlns:a14="http://schemas.microsoft.com/office/drawing/2010/main" xmlns="" w="9525">
+                  <a14:hiddenLine xmlns="" xmlns:a14="http://schemas.microsoft.com/office/drawing/2010/main" w="9525">
                     <a:solidFill>
                       <a:srgbClr val="000000"/>
                     </a:solidFill>
@@ -10910,7 +10914,7 @@
               </a:ln>
               <a:extLst>
                 <a:ext uri="{91240B29-F687-4f45-9708-019B960494DF}">
-                  <a14:hiddenLine xmlns:a14="http://schemas.microsoft.com/office/drawing/2010/main" xmlns="" w="9525">
+                  <a14:hiddenLine xmlns="" xmlns:a14="http://schemas.microsoft.com/office/drawing/2010/main" w="9525">
                     <a:solidFill>
                       <a:srgbClr val="000000"/>
                     </a:solidFill>
@@ -10975,7 +10979,7 @@
               </a:ln>
               <a:extLst>
                 <a:ext uri="{91240B29-F687-4f45-9708-019B960494DF}">
-                  <a14:hiddenLine xmlns:a14="http://schemas.microsoft.com/office/drawing/2010/main" xmlns="" w="9525">
+                  <a14:hiddenLine xmlns="" xmlns:a14="http://schemas.microsoft.com/office/drawing/2010/main" w="9525">
                     <a:solidFill>
                       <a:srgbClr val="000000"/>
                     </a:solidFill>
@@ -11095,7 +11099,7 @@
               </a:ln>
               <a:extLst>
                 <a:ext uri="{91240B29-F687-4f45-9708-019B960494DF}">
-                  <a14:hiddenLine xmlns:a14="http://schemas.microsoft.com/office/drawing/2010/main" xmlns="" w="9525">
+                  <a14:hiddenLine xmlns="" xmlns:a14="http://schemas.microsoft.com/office/drawing/2010/main" w="9525">
                     <a:solidFill>
                       <a:srgbClr val="000000"/>
                     </a:solidFill>
@@ -11176,7 +11180,7 @@
               </a:ln>
               <a:extLst>
                 <a:ext uri="{91240B29-F687-4f45-9708-019B960494DF}">
-                  <a14:hiddenLine xmlns:a14="http://schemas.microsoft.com/office/drawing/2010/main" xmlns="" w="9525">
+                  <a14:hiddenLine xmlns="" xmlns:a14="http://schemas.microsoft.com/office/drawing/2010/main" w="9525">
                     <a:solidFill>
                       <a:srgbClr val="000000"/>
                     </a:solidFill>
@@ -11291,7 +11295,7 @@
               </a:ln>
               <a:extLst>
                 <a:ext uri="{91240B29-F687-4f45-9708-019B960494DF}">
-                  <a14:hiddenLine xmlns:a14="http://schemas.microsoft.com/office/drawing/2010/main" xmlns="" w="9525">
+                  <a14:hiddenLine xmlns="" xmlns:a14="http://schemas.microsoft.com/office/drawing/2010/main" w="9525">
                     <a:solidFill>
                       <a:srgbClr val="000000"/>
                     </a:solidFill>
@@ -11381,7 +11385,7 @@
               </a:ln>
               <a:extLst>
                 <a:ext uri="{91240B29-F687-4f45-9708-019B960494DF}">
-                  <a14:hiddenLine xmlns:a14="http://schemas.microsoft.com/office/drawing/2010/main" xmlns="" w="9525">
+                  <a14:hiddenLine xmlns="" xmlns:a14="http://schemas.microsoft.com/office/drawing/2010/main" w="9525">
                     <a:solidFill>
                       <a:srgbClr val="000000"/>
                     </a:solidFill>
@@ -11446,7 +11450,7 @@
               </a:ln>
               <a:extLst>
                 <a:ext uri="{91240B29-F687-4f45-9708-019B960494DF}">
-                  <a14:hiddenLine xmlns:a14="http://schemas.microsoft.com/office/drawing/2010/main" xmlns="" w="9525">
+                  <a14:hiddenLine xmlns="" xmlns:a14="http://schemas.microsoft.com/office/drawing/2010/main" w="9525">
                     <a:solidFill>
                       <a:srgbClr val="000000"/>
                     </a:solidFill>
@@ -11536,7 +11540,7 @@
               </a:ln>
               <a:extLst>
                 <a:ext uri="{91240B29-F687-4f45-9708-019B960494DF}">
-                  <a14:hiddenLine xmlns:a14="http://schemas.microsoft.com/office/drawing/2010/main" xmlns="" w="9525">
+                  <a14:hiddenLine xmlns="" xmlns:a14="http://schemas.microsoft.com/office/drawing/2010/main" w="9525">
                     <a:solidFill>
                       <a:srgbClr val="000000"/>
                     </a:solidFill>
@@ -11604,7 +11608,7 @@
               </a:ln>
               <a:extLst>
                 <a:ext uri="{91240B29-F687-4f45-9708-019B960494DF}">
-                  <a14:hiddenLine xmlns:a14="http://schemas.microsoft.com/office/drawing/2010/main" xmlns="" w="9525">
+                  <a14:hiddenLine xmlns="" xmlns:a14="http://schemas.microsoft.com/office/drawing/2010/main" w="9525">
                     <a:solidFill>
                       <a:srgbClr val="000000"/>
                     </a:solidFill>
@@ -11694,7 +11698,7 @@
               </a:ln>
               <a:extLst>
                 <a:ext uri="{91240B29-F687-4f45-9708-019B960494DF}">
-                  <a14:hiddenLine xmlns:a14="http://schemas.microsoft.com/office/drawing/2010/main" xmlns="" w="9525">
+                  <a14:hiddenLine xmlns="" xmlns:a14="http://schemas.microsoft.com/office/drawing/2010/main" w="9525">
                     <a:solidFill>
                       <a:srgbClr val="000000"/>
                     </a:solidFill>
@@ -11762,7 +11766,7 @@
               </a:ln>
               <a:extLst>
                 <a:ext uri="{91240B29-F687-4f45-9708-019B960494DF}">
-                  <a14:hiddenLine xmlns:a14="http://schemas.microsoft.com/office/drawing/2010/main" xmlns="" w="9525">
+                  <a14:hiddenLine xmlns="" xmlns:a14="http://schemas.microsoft.com/office/drawing/2010/main" w="9525">
                     <a:solidFill>
                       <a:srgbClr val="000000"/>
                     </a:solidFill>
@@ -11852,7 +11856,7 @@
               </a:ln>
               <a:extLst>
                 <a:ext uri="{91240B29-F687-4f45-9708-019B960494DF}">
-                  <a14:hiddenLine xmlns:a14="http://schemas.microsoft.com/office/drawing/2010/main" xmlns="" w="9525">
+                  <a14:hiddenLine xmlns="" xmlns:a14="http://schemas.microsoft.com/office/drawing/2010/main" w="9525">
                     <a:solidFill>
                       <a:srgbClr val="000000"/>
                     </a:solidFill>
@@ -11886,7 +11890,7 @@
               </a:ln>
               <a:extLst>
                 <a:ext uri="{91240B29-F687-4f45-9708-019B960494DF}">
-                  <a14:hiddenLine xmlns:a14="http://schemas.microsoft.com/office/drawing/2010/main" xmlns="" w="9525">
+                  <a14:hiddenLine xmlns="" xmlns:a14="http://schemas.microsoft.com/office/drawing/2010/main" w="9525">
                     <a:solidFill>
                       <a:srgbClr val="000000"/>
                     </a:solidFill>
@@ -14076,8 +14080,27 @@
                 </a:solidFill>
                 <a:hlinkClick r:id="rId2"/>
               </a:rPr>
-              <a:t>https://github.com/Shabadoo89/Moodle_LSM</a:t>
+              <a:t>https://github.com/Shabadoo89/Moodle</a:t>
             </a:r>
+            <a:r>
+              <a:rPr lang="en-US">
+                <a:solidFill>
+                  <a:srgbClr val="FF0000"/>
+                </a:solidFill>
+                <a:hlinkClick r:id="rId2"/>
+              </a:rPr>
+              <a:t>_LSM-2.0</a:t>
+            </a:r>
+            <a:endParaRPr lang="en-US">
+              <a:solidFill>
+                <a:srgbClr val="FF0000"/>
+              </a:solidFill>
+            </a:endParaRPr>
+          </a:p>
+          <a:p>
+            <a:pPr marL="0" indent="0">
+              <a:buNone/>
+            </a:pPr>
             <a:endParaRPr lang="en-US" dirty="0">
               <a:solidFill>
                 <a:srgbClr val="FF0000"/>

--- a/Software Engineering Presentation.pptx
+++ b/Software Engineering Presentation.pptx
@@ -187,7 +187,7 @@
           <a:noFill/>
           <a:extLst>
             <a:ext uri="{909E8E84-426E-40dd-AFC4-6F175D3DCCD1}">
-              <a14:hiddenFill xmlns="" xmlns:a14="http://schemas.microsoft.com/office/drawing/2010/main">
+              <a14:hiddenFill xmlns:a14="http://schemas.microsoft.com/office/drawing/2010/main" xmlns="">
                 <a:solidFill>
                   <a:srgbClr val="FFFFFF"/>
                 </a:solidFill>
@@ -246,7 +246,7 @@
             </a:ln>
             <a:extLst>
               <a:ext uri="{91240B29-F687-4f45-9708-019B960494DF}">
-                <a14:hiddenLine xmlns="" xmlns:a14="http://schemas.microsoft.com/office/drawing/2010/main" w="9525">
+                <a14:hiddenLine xmlns:a14="http://schemas.microsoft.com/office/drawing/2010/main" xmlns="" w="9525">
                   <a:solidFill>
                     <a:srgbClr val="000000"/>
                   </a:solidFill>
@@ -336,7 +336,7 @@
             </a:ln>
             <a:extLst>
               <a:ext uri="{91240B29-F687-4f45-9708-019B960494DF}">
-                <a14:hiddenLine xmlns="" xmlns:a14="http://schemas.microsoft.com/office/drawing/2010/main" w="9525">
+                <a14:hiddenLine xmlns:a14="http://schemas.microsoft.com/office/drawing/2010/main" xmlns="" w="9525">
                   <a:solidFill>
                     <a:srgbClr val="000000"/>
                   </a:solidFill>
@@ -426,7 +426,7 @@
             </a:ln>
             <a:extLst>
               <a:ext uri="{91240B29-F687-4f45-9708-019B960494DF}">
-                <a14:hiddenLine xmlns="" xmlns:a14="http://schemas.microsoft.com/office/drawing/2010/main" w="9525">
+                <a14:hiddenLine xmlns:a14="http://schemas.microsoft.com/office/drawing/2010/main" xmlns="" w="9525">
                   <a:solidFill>
                     <a:srgbClr val="000000"/>
                   </a:solidFill>
@@ -460,7 +460,7 @@
             </a:ln>
             <a:extLst>
               <a:ext uri="{91240B29-F687-4f45-9708-019B960494DF}">
-                <a14:hiddenLine xmlns="" xmlns:a14="http://schemas.microsoft.com/office/drawing/2010/main" w="9525">
+                <a14:hiddenLine xmlns:a14="http://schemas.microsoft.com/office/drawing/2010/main" xmlns="" w="9525">
                   <a:solidFill>
                     <a:srgbClr val="000000"/>
                   </a:solidFill>
@@ -550,7 +550,7 @@
             </a:ln>
             <a:extLst>
               <a:ext uri="{91240B29-F687-4f45-9708-019B960494DF}">
-                <a14:hiddenLine xmlns="" xmlns:a14="http://schemas.microsoft.com/office/drawing/2010/main" w="9525">
+                <a14:hiddenLine xmlns:a14="http://schemas.microsoft.com/office/drawing/2010/main" xmlns="" w="9525">
                   <a:solidFill>
                     <a:srgbClr val="000000"/>
                   </a:solidFill>
@@ -612,7 +612,7 @@
             </a:ln>
             <a:extLst>
               <a:ext uri="{91240B29-F687-4f45-9708-019B960494DF}">
-                <a14:hiddenLine xmlns="" xmlns:a14="http://schemas.microsoft.com/office/drawing/2010/main" w="9525">
+                <a14:hiddenLine xmlns:a14="http://schemas.microsoft.com/office/drawing/2010/main" xmlns="" w="9525">
                   <a:solidFill>
                     <a:srgbClr val="000000"/>
                   </a:solidFill>
@@ -674,7 +674,7 @@
             </a:ln>
             <a:extLst>
               <a:ext uri="{91240B29-F687-4f45-9708-019B960494DF}">
-                <a14:hiddenLine xmlns="" xmlns:a14="http://schemas.microsoft.com/office/drawing/2010/main" w="9525">
+                <a14:hiddenLine xmlns:a14="http://schemas.microsoft.com/office/drawing/2010/main" xmlns="" w="9525">
                   <a:solidFill>
                     <a:srgbClr val="000000"/>
                   </a:solidFill>
@@ -764,7 +764,7 @@
             </a:ln>
             <a:extLst>
               <a:ext uri="{91240B29-F687-4f45-9708-019B960494DF}">
-                <a14:hiddenLine xmlns="" xmlns:a14="http://schemas.microsoft.com/office/drawing/2010/main" w="9525">
+                <a14:hiddenLine xmlns:a14="http://schemas.microsoft.com/office/drawing/2010/main" xmlns="" w="9525">
                   <a:solidFill>
                     <a:srgbClr val="000000"/>
                   </a:solidFill>
@@ -826,7 +826,7 @@
             </a:ln>
             <a:extLst>
               <a:ext uri="{91240B29-F687-4f45-9708-019B960494DF}">
-                <a14:hiddenLine xmlns="" xmlns:a14="http://schemas.microsoft.com/office/drawing/2010/main" w="9525">
+                <a14:hiddenLine xmlns:a14="http://schemas.microsoft.com/office/drawing/2010/main" xmlns="" w="9525">
                   <a:solidFill>
                     <a:srgbClr val="000000"/>
                   </a:solidFill>
@@ -888,7 +888,7 @@
             </a:ln>
             <a:extLst>
               <a:ext uri="{91240B29-F687-4f45-9708-019B960494DF}">
-                <a14:hiddenLine xmlns="" xmlns:a14="http://schemas.microsoft.com/office/drawing/2010/main" w="9525">
+                <a14:hiddenLine xmlns:a14="http://schemas.microsoft.com/office/drawing/2010/main" xmlns="" w="9525">
                   <a:solidFill>
                     <a:srgbClr val="000000"/>
                   </a:solidFill>
@@ -978,7 +978,7 @@
             </a:ln>
             <a:extLst>
               <a:ext uri="{91240B29-F687-4f45-9708-019B960494DF}">
-                <a14:hiddenLine xmlns="" xmlns:a14="http://schemas.microsoft.com/office/drawing/2010/main" w="9525">
+                <a14:hiddenLine xmlns:a14="http://schemas.microsoft.com/office/drawing/2010/main" xmlns="" w="9525">
                   <a:solidFill>
                     <a:srgbClr val="000000"/>
                   </a:solidFill>
@@ -1068,7 +1068,7 @@
             </a:ln>
             <a:extLst>
               <a:ext uri="{91240B29-F687-4f45-9708-019B960494DF}">
-                <a14:hiddenLine xmlns="" xmlns:a14="http://schemas.microsoft.com/office/drawing/2010/main" w="9525">
+                <a14:hiddenLine xmlns:a14="http://schemas.microsoft.com/office/drawing/2010/main" xmlns="" w="9525">
                   <a:solidFill>
                     <a:srgbClr val="000000"/>
                   </a:solidFill>
@@ -1130,7 +1130,7 @@
             </a:ln>
             <a:extLst>
               <a:ext uri="{91240B29-F687-4f45-9708-019B960494DF}">
-                <a14:hiddenLine xmlns="" xmlns:a14="http://schemas.microsoft.com/office/drawing/2010/main" w="9525">
+                <a14:hiddenLine xmlns:a14="http://schemas.microsoft.com/office/drawing/2010/main" xmlns="" w="9525">
                   <a:solidFill>
                     <a:srgbClr val="000000"/>
                   </a:solidFill>
@@ -1240,7 +1240,7 @@
             </a:ln>
             <a:extLst>
               <a:ext uri="{91240B29-F687-4f45-9708-019B960494DF}">
-                <a14:hiddenLine xmlns="" xmlns:a14="http://schemas.microsoft.com/office/drawing/2010/main" w="9525">
+                <a14:hiddenLine xmlns:a14="http://schemas.microsoft.com/office/drawing/2010/main" xmlns="" w="9525">
                   <a:solidFill>
                     <a:srgbClr val="000000"/>
                   </a:solidFill>
@@ -1302,7 +1302,7 @@
             </a:ln>
             <a:extLst>
               <a:ext uri="{91240B29-F687-4f45-9708-019B960494DF}">
-                <a14:hiddenLine xmlns="" xmlns:a14="http://schemas.microsoft.com/office/drawing/2010/main" w="9525">
+                <a14:hiddenLine xmlns:a14="http://schemas.microsoft.com/office/drawing/2010/main" xmlns="" w="9525">
                   <a:solidFill>
                     <a:srgbClr val="000000"/>
                   </a:solidFill>
@@ -1392,7 +1392,7 @@
             </a:ln>
             <a:extLst>
               <a:ext uri="{91240B29-F687-4f45-9708-019B960494DF}">
-                <a14:hiddenLine xmlns="" xmlns:a14="http://schemas.microsoft.com/office/drawing/2010/main" w="9525">
+                <a14:hiddenLine xmlns:a14="http://schemas.microsoft.com/office/drawing/2010/main" xmlns="" w="9525">
                   <a:solidFill>
                     <a:srgbClr val="000000"/>
                   </a:solidFill>
@@ -1482,7 +1482,7 @@
             </a:ln>
             <a:extLst>
               <a:ext uri="{91240B29-F687-4f45-9708-019B960494DF}">
-                <a14:hiddenLine xmlns="" xmlns:a14="http://schemas.microsoft.com/office/drawing/2010/main" w="9525">
+                <a14:hiddenLine xmlns:a14="http://schemas.microsoft.com/office/drawing/2010/main" xmlns="" w="9525">
                   <a:solidFill>
                     <a:srgbClr val="000000"/>
                   </a:solidFill>
@@ -1544,7 +1544,7 @@
             </a:ln>
             <a:extLst>
               <a:ext uri="{91240B29-F687-4f45-9708-019B960494DF}">
-                <a14:hiddenLine xmlns="" xmlns:a14="http://schemas.microsoft.com/office/drawing/2010/main" w="9525">
+                <a14:hiddenLine xmlns:a14="http://schemas.microsoft.com/office/drawing/2010/main" xmlns="" w="9525">
                   <a:solidFill>
                     <a:srgbClr val="000000"/>
                   </a:solidFill>
@@ -1634,7 +1634,7 @@
             </a:ln>
             <a:extLst>
               <a:ext uri="{91240B29-F687-4f45-9708-019B960494DF}">
-                <a14:hiddenLine xmlns="" xmlns:a14="http://schemas.microsoft.com/office/drawing/2010/main" w="9525">
+                <a14:hiddenLine xmlns:a14="http://schemas.microsoft.com/office/drawing/2010/main" xmlns="" w="9525">
                   <a:solidFill>
                     <a:srgbClr val="000000"/>
                   </a:solidFill>
@@ -1724,7 +1724,7 @@
             </a:ln>
             <a:extLst>
               <a:ext uri="{91240B29-F687-4f45-9708-019B960494DF}">
-                <a14:hiddenLine xmlns="" xmlns:a14="http://schemas.microsoft.com/office/drawing/2010/main" w="9525">
+                <a14:hiddenLine xmlns:a14="http://schemas.microsoft.com/office/drawing/2010/main" xmlns="" w="9525">
                   <a:solidFill>
                     <a:srgbClr val="000000"/>
                   </a:solidFill>
@@ -1780,7 +1780,7 @@
             </a:ln>
             <a:extLst>
               <a:ext uri="{91240B29-F687-4f45-9708-019B960494DF}">
-                <a14:hiddenLine xmlns="" xmlns:a14="http://schemas.microsoft.com/office/drawing/2010/main" w="9525">
+                <a14:hiddenLine xmlns:a14="http://schemas.microsoft.com/office/drawing/2010/main" xmlns="" w="9525">
                   <a:solidFill>
                     <a:srgbClr val="000000"/>
                   </a:solidFill>
@@ -1870,7 +1870,7 @@
             </a:ln>
             <a:extLst>
               <a:ext uri="{91240B29-F687-4f45-9708-019B960494DF}">
-                <a14:hiddenLine xmlns="" xmlns:a14="http://schemas.microsoft.com/office/drawing/2010/main" w="9525">
+                <a14:hiddenLine xmlns:a14="http://schemas.microsoft.com/office/drawing/2010/main" xmlns="" w="9525">
                   <a:solidFill>
                     <a:srgbClr val="000000"/>
                   </a:solidFill>
@@ -1926,7 +1926,7 @@
             </a:ln>
             <a:extLst>
               <a:ext uri="{91240B29-F687-4f45-9708-019B960494DF}">
-                <a14:hiddenLine xmlns="" xmlns:a14="http://schemas.microsoft.com/office/drawing/2010/main" w="9525">
+                <a14:hiddenLine xmlns:a14="http://schemas.microsoft.com/office/drawing/2010/main" xmlns="" w="9525">
                   <a:solidFill>
                     <a:srgbClr val="000000"/>
                   </a:solidFill>
@@ -2016,7 +2016,7 @@
             </a:ln>
             <a:extLst>
               <a:ext uri="{91240B29-F687-4f45-9708-019B960494DF}">
-                <a14:hiddenLine xmlns="" xmlns:a14="http://schemas.microsoft.com/office/drawing/2010/main" w="9525">
+                <a14:hiddenLine xmlns:a14="http://schemas.microsoft.com/office/drawing/2010/main" xmlns="" w="9525">
                   <a:solidFill>
                     <a:srgbClr val="000000"/>
                   </a:solidFill>
@@ -2084,7 +2084,7 @@
             </a:ln>
             <a:extLst>
               <a:ext uri="{91240B29-F687-4f45-9708-019B960494DF}">
-                <a14:hiddenLine xmlns="" xmlns:a14="http://schemas.microsoft.com/office/drawing/2010/main" w="9525">
+                <a14:hiddenLine xmlns:a14="http://schemas.microsoft.com/office/drawing/2010/main" xmlns="" w="9525">
                   <a:solidFill>
                     <a:srgbClr val="000000"/>
                   </a:solidFill>
@@ -2174,7 +2174,7 @@
             </a:ln>
             <a:extLst>
               <a:ext uri="{91240B29-F687-4f45-9708-019B960494DF}">
-                <a14:hiddenLine xmlns="" xmlns:a14="http://schemas.microsoft.com/office/drawing/2010/main" w="9525">
+                <a14:hiddenLine xmlns:a14="http://schemas.microsoft.com/office/drawing/2010/main" xmlns="" w="9525">
                   <a:solidFill>
                     <a:srgbClr val="000000"/>
                   </a:solidFill>
@@ -2242,7 +2242,7 @@
             </a:ln>
             <a:extLst>
               <a:ext uri="{91240B29-F687-4f45-9708-019B960494DF}">
-                <a14:hiddenLine xmlns="" xmlns:a14="http://schemas.microsoft.com/office/drawing/2010/main" w="9525">
+                <a14:hiddenLine xmlns:a14="http://schemas.microsoft.com/office/drawing/2010/main" xmlns="" w="9525">
                   <a:solidFill>
                     <a:srgbClr val="000000"/>
                   </a:solidFill>
@@ -2332,7 +2332,7 @@
             </a:ln>
             <a:extLst>
               <a:ext uri="{91240B29-F687-4f45-9708-019B960494DF}">
-                <a14:hiddenLine xmlns="" xmlns:a14="http://schemas.microsoft.com/office/drawing/2010/main" w="9525">
+                <a14:hiddenLine xmlns:a14="http://schemas.microsoft.com/office/drawing/2010/main" xmlns="" w="9525">
                   <a:solidFill>
                     <a:srgbClr val="000000"/>
                   </a:solidFill>
@@ -2366,7 +2366,7 @@
             </a:ln>
             <a:extLst>
               <a:ext uri="{91240B29-F687-4f45-9708-019B960494DF}">
-                <a14:hiddenLine xmlns="" xmlns:a14="http://schemas.microsoft.com/office/drawing/2010/main" w="9525">
+                <a14:hiddenLine xmlns:a14="http://schemas.microsoft.com/office/drawing/2010/main" xmlns="" w="9525">
                   <a:solidFill>
                     <a:srgbClr val="000000"/>
                   </a:solidFill>
@@ -2456,7 +2456,7 @@
             </a:ln>
             <a:extLst>
               <a:ext uri="{91240B29-F687-4f45-9708-019B960494DF}">
-                <a14:hiddenLine xmlns="" xmlns:a14="http://schemas.microsoft.com/office/drawing/2010/main" w="9525">
+                <a14:hiddenLine xmlns:a14="http://schemas.microsoft.com/office/drawing/2010/main" xmlns="" w="9525">
                   <a:solidFill>
                     <a:srgbClr val="000000"/>
                   </a:solidFill>
@@ -2518,7 +2518,7 @@
             </a:ln>
             <a:extLst>
               <a:ext uri="{91240B29-F687-4f45-9708-019B960494DF}">
-                <a14:hiddenLine xmlns="" xmlns:a14="http://schemas.microsoft.com/office/drawing/2010/main" w="9525">
+                <a14:hiddenLine xmlns:a14="http://schemas.microsoft.com/office/drawing/2010/main" xmlns="" w="9525">
                   <a:solidFill>
                     <a:srgbClr val="000000"/>
                   </a:solidFill>
@@ -2580,7 +2580,7 @@
             </a:ln>
             <a:extLst>
               <a:ext uri="{91240B29-F687-4f45-9708-019B960494DF}">
-                <a14:hiddenLine xmlns="" xmlns:a14="http://schemas.microsoft.com/office/drawing/2010/main" w="9525">
+                <a14:hiddenLine xmlns:a14="http://schemas.microsoft.com/office/drawing/2010/main" xmlns="" w="9525">
                   <a:solidFill>
                     <a:srgbClr val="000000"/>
                   </a:solidFill>
@@ -2670,7 +2670,7 @@
             </a:ln>
             <a:extLst>
               <a:ext uri="{91240B29-F687-4f45-9708-019B960494DF}">
-                <a14:hiddenLine xmlns="" xmlns:a14="http://schemas.microsoft.com/office/drawing/2010/main" w="9525">
+                <a14:hiddenLine xmlns:a14="http://schemas.microsoft.com/office/drawing/2010/main" xmlns="" w="9525">
                   <a:solidFill>
                     <a:srgbClr val="000000"/>
                   </a:solidFill>
@@ -2738,7 +2738,7 @@
             </a:ln>
             <a:extLst>
               <a:ext uri="{91240B29-F687-4f45-9708-019B960494DF}">
-                <a14:hiddenLine xmlns="" xmlns:a14="http://schemas.microsoft.com/office/drawing/2010/main" w="9525">
+                <a14:hiddenLine xmlns:a14="http://schemas.microsoft.com/office/drawing/2010/main" xmlns="" w="9525">
                   <a:solidFill>
                     <a:srgbClr val="000000"/>
                   </a:solidFill>
@@ -2800,7 +2800,7 @@
             </a:ln>
             <a:extLst>
               <a:ext uri="{91240B29-F687-4f45-9708-019B960494DF}">
-                <a14:hiddenLine xmlns="" xmlns:a14="http://schemas.microsoft.com/office/drawing/2010/main" w="9525">
+                <a14:hiddenLine xmlns:a14="http://schemas.microsoft.com/office/drawing/2010/main" xmlns="" w="9525">
                   <a:solidFill>
                     <a:srgbClr val="000000"/>
                   </a:solidFill>
@@ -2890,7 +2890,7 @@
             </a:ln>
             <a:extLst>
               <a:ext uri="{91240B29-F687-4f45-9708-019B960494DF}">
-                <a14:hiddenLine xmlns="" xmlns:a14="http://schemas.microsoft.com/office/drawing/2010/main" w="9525">
+                <a14:hiddenLine xmlns:a14="http://schemas.microsoft.com/office/drawing/2010/main" xmlns="" w="9525">
                   <a:solidFill>
                     <a:srgbClr val="000000"/>
                   </a:solidFill>
@@ -2952,7 +2952,7 @@
             </a:ln>
             <a:extLst>
               <a:ext uri="{91240B29-F687-4f45-9708-019B960494DF}">
-                <a14:hiddenLine xmlns="" xmlns:a14="http://schemas.microsoft.com/office/drawing/2010/main" w="9525">
+                <a14:hiddenLine xmlns:a14="http://schemas.microsoft.com/office/drawing/2010/main" xmlns="" w="9525">
                   <a:solidFill>
                     <a:srgbClr val="000000"/>
                   </a:solidFill>
@@ -3042,7 +3042,7 @@
             </a:ln>
             <a:extLst>
               <a:ext uri="{91240B29-F687-4f45-9708-019B960494DF}">
-                <a14:hiddenLine xmlns="" xmlns:a14="http://schemas.microsoft.com/office/drawing/2010/main" w="9525">
+                <a14:hiddenLine xmlns:a14="http://schemas.microsoft.com/office/drawing/2010/main" xmlns="" w="9525">
                   <a:solidFill>
                     <a:srgbClr val="000000"/>
                   </a:solidFill>
@@ -3104,7 +3104,7 @@
             </a:ln>
             <a:extLst>
               <a:ext uri="{91240B29-F687-4f45-9708-019B960494DF}">
-                <a14:hiddenLine xmlns="" xmlns:a14="http://schemas.microsoft.com/office/drawing/2010/main" w="9525">
+                <a14:hiddenLine xmlns:a14="http://schemas.microsoft.com/office/drawing/2010/main" xmlns="" w="9525">
                   <a:solidFill>
                     <a:srgbClr val="000000"/>
                   </a:solidFill>
@@ -3194,7 +3194,7 @@
             </a:ln>
             <a:extLst>
               <a:ext uri="{91240B29-F687-4f45-9708-019B960494DF}">
-                <a14:hiddenLine xmlns="" xmlns:a14="http://schemas.microsoft.com/office/drawing/2010/main" w="9525">
+                <a14:hiddenLine xmlns:a14="http://schemas.microsoft.com/office/drawing/2010/main" xmlns="" w="9525">
                   <a:solidFill>
                     <a:srgbClr val="000000"/>
                   </a:solidFill>
@@ -3228,7 +3228,7 @@
             </a:ln>
             <a:extLst>
               <a:ext uri="{91240B29-F687-4f45-9708-019B960494DF}">
-                <a14:hiddenLine xmlns="" xmlns:a14="http://schemas.microsoft.com/office/drawing/2010/main" w="9525">
+                <a14:hiddenLine xmlns:a14="http://schemas.microsoft.com/office/drawing/2010/main" xmlns="" w="9525">
                   <a:solidFill>
                     <a:srgbClr val="000000"/>
                   </a:solidFill>
@@ -3293,7 +3293,7 @@
             </a:ln>
             <a:extLst>
               <a:ext uri="{91240B29-F687-4f45-9708-019B960494DF}">
-                <a14:hiddenLine xmlns="" xmlns:a14="http://schemas.microsoft.com/office/drawing/2010/main" w="9525">
+                <a14:hiddenLine xmlns:a14="http://schemas.microsoft.com/office/drawing/2010/main" xmlns="" w="9525">
                   <a:solidFill>
                     <a:srgbClr val="000000"/>
                   </a:solidFill>
@@ -3383,7 +3383,7 @@
             </a:ln>
             <a:extLst>
               <a:ext uri="{91240B29-F687-4f45-9708-019B960494DF}">
-                <a14:hiddenLine xmlns="" xmlns:a14="http://schemas.microsoft.com/office/drawing/2010/main" w="9525">
+                <a14:hiddenLine xmlns:a14="http://schemas.microsoft.com/office/drawing/2010/main" xmlns="" w="9525">
                   <a:solidFill>
                     <a:srgbClr val="000000"/>
                   </a:solidFill>
@@ -3445,7 +3445,7 @@
             </a:ln>
             <a:extLst>
               <a:ext uri="{91240B29-F687-4f45-9708-019B960494DF}">
-                <a14:hiddenLine xmlns="" xmlns:a14="http://schemas.microsoft.com/office/drawing/2010/main" w="9525">
+                <a14:hiddenLine xmlns:a14="http://schemas.microsoft.com/office/drawing/2010/main" xmlns="" w="9525">
                   <a:solidFill>
                     <a:srgbClr val="000000"/>
                   </a:solidFill>
@@ -3535,7 +3535,7 @@
             </a:ln>
             <a:extLst>
               <a:ext uri="{91240B29-F687-4f45-9708-019B960494DF}">
-                <a14:hiddenLine xmlns="" xmlns:a14="http://schemas.microsoft.com/office/drawing/2010/main" w="9525">
+                <a14:hiddenLine xmlns:a14="http://schemas.microsoft.com/office/drawing/2010/main" xmlns="" w="9525">
                   <a:solidFill>
                     <a:srgbClr val="000000"/>
                   </a:solidFill>
@@ -3625,7 +3625,7 @@
             </a:ln>
             <a:extLst>
               <a:ext uri="{91240B29-F687-4f45-9708-019B960494DF}">
-                <a14:hiddenLine xmlns="" xmlns:a14="http://schemas.microsoft.com/office/drawing/2010/main" w="9525">
+                <a14:hiddenLine xmlns:a14="http://schemas.microsoft.com/office/drawing/2010/main" xmlns="" w="9525">
                   <a:solidFill>
                     <a:srgbClr val="000000"/>
                   </a:solidFill>
@@ -3690,7 +3690,7 @@
             </a:ln>
             <a:extLst>
               <a:ext uri="{91240B29-F687-4f45-9708-019B960494DF}">
-                <a14:hiddenLine xmlns="" xmlns:a14="http://schemas.microsoft.com/office/drawing/2010/main" w="9525">
+                <a14:hiddenLine xmlns:a14="http://schemas.microsoft.com/office/drawing/2010/main" xmlns="" w="9525">
                   <a:solidFill>
                     <a:srgbClr val="000000"/>
                   </a:solidFill>
@@ -3752,7 +3752,7 @@
             </a:ln>
             <a:extLst>
               <a:ext uri="{91240B29-F687-4f45-9708-019B960494DF}">
-                <a14:hiddenLine xmlns="" xmlns:a14="http://schemas.microsoft.com/office/drawing/2010/main" w="9525">
+                <a14:hiddenLine xmlns:a14="http://schemas.microsoft.com/office/drawing/2010/main" xmlns="" w="9525">
                   <a:solidFill>
                     <a:srgbClr val="000000"/>
                   </a:solidFill>
@@ -3842,7 +3842,7 @@
             </a:ln>
             <a:extLst>
               <a:ext uri="{91240B29-F687-4f45-9708-019B960494DF}">
-                <a14:hiddenLine xmlns="" xmlns:a14="http://schemas.microsoft.com/office/drawing/2010/main" w="9525">
+                <a14:hiddenLine xmlns:a14="http://schemas.microsoft.com/office/drawing/2010/main" xmlns="" w="9525">
                   <a:solidFill>
                     <a:srgbClr val="000000"/>
                   </a:solidFill>
@@ -3932,7 +3932,7 @@
             </a:ln>
             <a:extLst>
               <a:ext uri="{91240B29-F687-4f45-9708-019B960494DF}">
-                <a14:hiddenLine xmlns="" xmlns:a14="http://schemas.microsoft.com/office/drawing/2010/main" w="9525">
+                <a14:hiddenLine xmlns:a14="http://schemas.microsoft.com/office/drawing/2010/main" xmlns="" w="9525">
                   <a:solidFill>
                     <a:srgbClr val="000000"/>
                   </a:solidFill>
@@ -3994,7 +3994,7 @@
             </a:ln>
             <a:extLst>
               <a:ext uri="{91240B29-F687-4f45-9708-019B960494DF}">
-                <a14:hiddenLine xmlns="" xmlns:a14="http://schemas.microsoft.com/office/drawing/2010/main" w="9525">
+                <a14:hiddenLine xmlns:a14="http://schemas.microsoft.com/office/drawing/2010/main" xmlns="" w="9525">
                   <a:solidFill>
                     <a:srgbClr val="000000"/>
                   </a:solidFill>
@@ -4114,7 +4114,7 @@
             </a:ln>
             <a:extLst>
               <a:ext uri="{91240B29-F687-4f45-9708-019B960494DF}">
-                <a14:hiddenLine xmlns="" xmlns:a14="http://schemas.microsoft.com/office/drawing/2010/main" w="9525">
+                <a14:hiddenLine xmlns:a14="http://schemas.microsoft.com/office/drawing/2010/main" xmlns="" w="9525">
                   <a:solidFill>
                     <a:srgbClr val="000000"/>
                   </a:solidFill>
@@ -4182,7 +4182,7 @@
             </a:ln>
             <a:extLst>
               <a:ext uri="{91240B29-F687-4f45-9708-019B960494DF}">
-                <a14:hiddenLine xmlns="" xmlns:a14="http://schemas.microsoft.com/office/drawing/2010/main" w="9525">
+                <a14:hiddenLine xmlns:a14="http://schemas.microsoft.com/office/drawing/2010/main" xmlns="" w="9525">
                   <a:solidFill>
                     <a:srgbClr val="000000"/>
                   </a:solidFill>
@@ -4272,7 +4272,7 @@
             </a:ln>
             <a:extLst>
               <a:ext uri="{91240B29-F687-4f45-9708-019B960494DF}">
-                <a14:hiddenLine xmlns="" xmlns:a14="http://schemas.microsoft.com/office/drawing/2010/main" w="9525">
+                <a14:hiddenLine xmlns:a14="http://schemas.microsoft.com/office/drawing/2010/main" xmlns="" w="9525">
                   <a:solidFill>
                     <a:srgbClr val="000000"/>
                   </a:solidFill>
@@ -4412,7 +4412,7 @@
           <a:p>
             <a:fld id="{48A87A34-81AB-432B-8DAE-1953F412C126}" type="datetimeFigureOut">
               <a:rPr lang="en-US" smtClean="0"/>
-              <a:t>4/25/2018</a:t>
+              <a:t>4/26/2018</a:t>
             </a:fld>
             <a:endParaRPr lang="en-US" dirty="0"/>
           </a:p>
@@ -4679,7 +4679,7 @@
           <a:p>
             <a:fld id="{48A87A34-81AB-432B-8DAE-1953F412C126}" type="datetimeFigureOut">
               <a:rPr lang="en-US" smtClean="0"/>
-              <a:t>4/25/2018</a:t>
+              <a:t>4/26/2018</a:t>
             </a:fld>
             <a:endParaRPr lang="en-US" dirty="0"/>
           </a:p>
@@ -4875,7 +4875,7 @@
           <a:p>
             <a:fld id="{48A87A34-81AB-432B-8DAE-1953F412C126}" type="datetimeFigureOut">
               <a:rPr lang="en-US" smtClean="0"/>
-              <a:t>4/25/2018</a:t>
+              <a:t>4/26/2018</a:t>
             </a:fld>
             <a:endParaRPr lang="en-US" dirty="0"/>
           </a:p>
@@ -5138,7 +5138,7 @@
           <a:p>
             <a:fld id="{48A87A34-81AB-432B-8DAE-1953F412C126}" type="datetimeFigureOut">
               <a:rPr lang="en-US" smtClean="0"/>
-              <a:t>4/25/2018</a:t>
+              <a:t>4/26/2018</a:t>
             </a:fld>
             <a:endParaRPr lang="en-US" dirty="0"/>
           </a:p>
@@ -5572,7 +5572,7 @@
           <a:p>
             <a:fld id="{48A87A34-81AB-432B-8DAE-1953F412C126}" type="datetimeFigureOut">
               <a:rPr lang="en-US" smtClean="0"/>
-              <a:t>4/25/2018</a:t>
+              <a:t>4/26/2018</a:t>
             </a:fld>
             <a:endParaRPr lang="en-US" dirty="0"/>
           </a:p>
@@ -6118,7 +6118,7 @@
           <a:p>
             <a:fld id="{48A87A34-81AB-432B-8DAE-1953F412C126}" type="datetimeFigureOut">
               <a:rPr lang="en-US" smtClean="0"/>
-              <a:t>4/25/2018</a:t>
+              <a:t>4/26/2018</a:t>
             </a:fld>
             <a:endParaRPr lang="en-US" dirty="0"/>
           </a:p>
@@ -6838,7 +6838,7 @@
           <a:p>
             <a:fld id="{48A87A34-81AB-432B-8DAE-1953F412C126}" type="datetimeFigureOut">
               <a:rPr lang="en-US" smtClean="0"/>
-              <a:t>4/25/2018</a:t>
+              <a:t>4/26/2018</a:t>
             </a:fld>
             <a:endParaRPr lang="en-US" dirty="0"/>
           </a:p>
@@ -7008,7 +7008,7 @@
           <a:p>
             <a:fld id="{48A87A34-81AB-432B-8DAE-1953F412C126}" type="datetimeFigureOut">
               <a:rPr lang="en-US" smtClean="0"/>
-              <a:t>4/25/2018</a:t>
+              <a:t>4/26/2018</a:t>
             </a:fld>
             <a:endParaRPr lang="en-US" dirty="0"/>
           </a:p>
@@ -7188,7 +7188,7 @@
           <a:p>
             <a:fld id="{48A87A34-81AB-432B-8DAE-1953F412C126}" type="datetimeFigureOut">
               <a:rPr lang="en-US" smtClean="0"/>
-              <a:t>4/25/2018</a:t>
+              <a:t>4/26/2018</a:t>
             </a:fld>
             <a:endParaRPr lang="en-US" dirty="0"/>
           </a:p>
@@ -7358,7 +7358,7 @@
           <a:p>
             <a:fld id="{48A87A34-81AB-432B-8DAE-1953F412C126}" type="datetimeFigureOut">
               <a:rPr lang="en-US" smtClean="0"/>
-              <a:t>4/25/2018</a:t>
+              <a:t>4/26/2018</a:t>
             </a:fld>
             <a:endParaRPr lang="en-US" dirty="0"/>
           </a:p>
@@ -7608,7 +7608,7 @@
           <a:p>
             <a:fld id="{48A87A34-81AB-432B-8DAE-1953F412C126}" type="datetimeFigureOut">
               <a:rPr lang="en-US" smtClean="0"/>
-              <a:t>4/25/2018</a:t>
+              <a:t>4/26/2018</a:t>
             </a:fld>
             <a:endParaRPr lang="en-US" dirty="0"/>
           </a:p>
@@ -7840,7 +7840,7 @@
           <a:p>
             <a:fld id="{48A87A34-81AB-432B-8DAE-1953F412C126}" type="datetimeFigureOut">
               <a:rPr lang="en-US" smtClean="0"/>
-              <a:t>4/25/2018</a:t>
+              <a:t>4/26/2018</a:t>
             </a:fld>
             <a:endParaRPr lang="en-US" dirty="0"/>
           </a:p>
@@ -8221,7 +8221,7 @@
           <a:p>
             <a:fld id="{48A87A34-81AB-432B-8DAE-1953F412C126}" type="datetimeFigureOut">
               <a:rPr lang="en-US" smtClean="0"/>
-              <a:t>4/25/2018</a:t>
+              <a:t>4/26/2018</a:t>
             </a:fld>
             <a:endParaRPr lang="en-US" dirty="0"/>
           </a:p>
@@ -8339,7 +8339,7 @@
           <a:p>
             <a:fld id="{48A87A34-81AB-432B-8DAE-1953F412C126}" type="datetimeFigureOut">
               <a:rPr lang="en-US" smtClean="0"/>
-              <a:t>4/25/2018</a:t>
+              <a:t>4/26/2018</a:t>
             </a:fld>
             <a:endParaRPr lang="en-US" dirty="0"/>
           </a:p>
@@ -8434,7 +8434,7 @@
           <a:p>
             <a:fld id="{48A87A34-81AB-432B-8DAE-1953F412C126}" type="datetimeFigureOut">
               <a:rPr lang="en-US" smtClean="0"/>
-              <a:t>4/25/2018</a:t>
+              <a:t>4/26/2018</a:t>
             </a:fld>
             <a:endParaRPr lang="en-US" dirty="0"/>
           </a:p>
@@ -8683,7 +8683,7 @@
           <a:p>
             <a:fld id="{48A87A34-81AB-432B-8DAE-1953F412C126}" type="datetimeFigureOut">
               <a:rPr lang="en-US" smtClean="0"/>
-              <a:t>4/25/2018</a:t>
+              <a:t>4/26/2018</a:t>
             </a:fld>
             <a:endParaRPr lang="en-US" dirty="0"/>
           </a:p>
@@ -8963,7 +8963,7 @@
           <a:p>
             <a:fld id="{48A87A34-81AB-432B-8DAE-1953F412C126}" type="datetimeFigureOut">
               <a:rPr lang="en-US" smtClean="0"/>
-              <a:t>4/25/2018</a:t>
+              <a:t>4/26/2018</a:t>
             </a:fld>
             <a:endParaRPr lang="en-US" dirty="0"/>
           </a:p>
@@ -9086,7 +9086,7 @@
           <a:noFill/>
           <a:extLst>
             <a:ext uri="{909E8E84-426E-40dd-AFC4-6F175D3DCCD1}">
-              <a14:hiddenFill xmlns="" xmlns:a14="http://schemas.microsoft.com/office/drawing/2010/main">
+              <a14:hiddenFill xmlns:a14="http://schemas.microsoft.com/office/drawing/2010/main" xmlns="">
                 <a:solidFill>
                   <a:srgbClr val="FFFFFF"/>
                 </a:solidFill>
@@ -9160,7 +9160,7 @@
               </a:ln>
               <a:extLst>
                 <a:ext uri="{91240B29-F687-4f45-9708-019B960494DF}">
-                  <a14:hiddenLine xmlns="" xmlns:a14="http://schemas.microsoft.com/office/drawing/2010/main" w="9525">
+                  <a14:hiddenLine xmlns:a14="http://schemas.microsoft.com/office/drawing/2010/main" xmlns="" w="9525">
                     <a:solidFill>
                       <a:srgbClr val="000000"/>
                     </a:solidFill>
@@ -9250,7 +9250,7 @@
               </a:ln>
               <a:extLst>
                 <a:ext uri="{91240B29-F687-4f45-9708-019B960494DF}">
-                  <a14:hiddenLine xmlns="" xmlns:a14="http://schemas.microsoft.com/office/drawing/2010/main" w="9525">
+                  <a14:hiddenLine xmlns:a14="http://schemas.microsoft.com/office/drawing/2010/main" xmlns="" w="9525">
                     <a:solidFill>
                       <a:srgbClr val="000000"/>
                     </a:solidFill>
@@ -9340,7 +9340,7 @@
               </a:ln>
               <a:extLst>
                 <a:ext uri="{91240B29-F687-4f45-9708-019B960494DF}">
-                  <a14:hiddenLine xmlns="" xmlns:a14="http://schemas.microsoft.com/office/drawing/2010/main" w="9525">
+                  <a14:hiddenLine xmlns:a14="http://schemas.microsoft.com/office/drawing/2010/main" xmlns="" w="9525">
                     <a:solidFill>
                       <a:srgbClr val="000000"/>
                     </a:solidFill>
@@ -9402,7 +9402,7 @@
               </a:ln>
               <a:extLst>
                 <a:ext uri="{91240B29-F687-4f45-9708-019B960494DF}">
-                  <a14:hiddenLine xmlns="" xmlns:a14="http://schemas.microsoft.com/office/drawing/2010/main" w="9525">
+                  <a14:hiddenLine xmlns:a14="http://schemas.microsoft.com/office/drawing/2010/main" xmlns="" w="9525">
                     <a:solidFill>
                       <a:srgbClr val="000000"/>
                     </a:solidFill>
@@ -9492,7 +9492,7 @@
               </a:ln>
               <a:extLst>
                 <a:ext uri="{91240B29-F687-4f45-9708-019B960494DF}">
-                  <a14:hiddenLine xmlns="" xmlns:a14="http://schemas.microsoft.com/office/drawing/2010/main" w="9525">
+                  <a14:hiddenLine xmlns:a14="http://schemas.microsoft.com/office/drawing/2010/main" xmlns="" w="9525">
                     <a:solidFill>
                       <a:srgbClr val="000000"/>
                     </a:solidFill>
@@ -9554,7 +9554,7 @@
               </a:ln>
               <a:extLst>
                 <a:ext uri="{91240B29-F687-4f45-9708-019B960494DF}">
-                  <a14:hiddenLine xmlns="" xmlns:a14="http://schemas.microsoft.com/office/drawing/2010/main" w="9525">
+                  <a14:hiddenLine xmlns:a14="http://schemas.microsoft.com/office/drawing/2010/main" xmlns="" w="9525">
                     <a:solidFill>
                       <a:srgbClr val="000000"/>
                     </a:solidFill>
@@ -9616,7 +9616,7 @@
               </a:ln>
               <a:extLst>
                 <a:ext uri="{91240B29-F687-4f45-9708-019B960494DF}">
-                  <a14:hiddenLine xmlns="" xmlns:a14="http://schemas.microsoft.com/office/drawing/2010/main" w="9525">
+                  <a14:hiddenLine xmlns:a14="http://schemas.microsoft.com/office/drawing/2010/main" xmlns="" w="9525">
                     <a:solidFill>
                       <a:srgbClr val="000000"/>
                     </a:solidFill>
@@ -9706,7 +9706,7 @@
               </a:ln>
               <a:extLst>
                 <a:ext uri="{91240B29-F687-4f45-9708-019B960494DF}">
-                  <a14:hiddenLine xmlns="" xmlns:a14="http://schemas.microsoft.com/office/drawing/2010/main" w="9525">
+                  <a14:hiddenLine xmlns:a14="http://schemas.microsoft.com/office/drawing/2010/main" xmlns="" w="9525">
                     <a:solidFill>
                       <a:srgbClr val="000000"/>
                     </a:solidFill>
@@ -9796,7 +9796,7 @@
               </a:ln>
               <a:extLst>
                 <a:ext uri="{91240B29-F687-4f45-9708-019B960494DF}">
-                  <a14:hiddenLine xmlns="" xmlns:a14="http://schemas.microsoft.com/office/drawing/2010/main" w="9525">
+                  <a14:hiddenLine xmlns:a14="http://schemas.microsoft.com/office/drawing/2010/main" xmlns="" w="9525">
                     <a:solidFill>
                       <a:srgbClr val="000000"/>
                     </a:solidFill>
@@ -9858,7 +9858,7 @@
               </a:ln>
               <a:extLst>
                 <a:ext uri="{91240B29-F687-4f45-9708-019B960494DF}">
-                  <a14:hiddenLine xmlns="" xmlns:a14="http://schemas.microsoft.com/office/drawing/2010/main" w="9525">
+                  <a14:hiddenLine xmlns:a14="http://schemas.microsoft.com/office/drawing/2010/main" xmlns="" w="9525">
                     <a:solidFill>
                       <a:srgbClr val="000000"/>
                     </a:solidFill>
@@ -9968,7 +9968,7 @@
               </a:ln>
               <a:extLst>
                 <a:ext uri="{91240B29-F687-4f45-9708-019B960494DF}">
-                  <a14:hiddenLine xmlns="" xmlns:a14="http://schemas.microsoft.com/office/drawing/2010/main" w="9525">
+                  <a14:hiddenLine xmlns:a14="http://schemas.microsoft.com/office/drawing/2010/main" xmlns="" w="9525">
                     <a:solidFill>
                       <a:srgbClr val="000000"/>
                     </a:solidFill>
@@ -10052,7 +10052,7 @@
               </a:ln>
               <a:extLst>
                 <a:ext uri="{91240B29-F687-4f45-9708-019B960494DF}">
-                  <a14:hiddenLine xmlns="" xmlns:a14="http://schemas.microsoft.com/office/drawing/2010/main" w="9525">
+                  <a14:hiddenLine xmlns:a14="http://schemas.microsoft.com/office/drawing/2010/main" xmlns="" w="9525">
                     <a:solidFill>
                       <a:srgbClr val="000000"/>
                     </a:solidFill>
@@ -10114,7 +10114,7 @@
               </a:ln>
               <a:extLst>
                 <a:ext uri="{91240B29-F687-4f45-9708-019B960494DF}">
-                  <a14:hiddenLine xmlns="" xmlns:a14="http://schemas.microsoft.com/office/drawing/2010/main" w="9525">
+                  <a14:hiddenLine xmlns:a14="http://schemas.microsoft.com/office/drawing/2010/main" xmlns="" w="9525">
                     <a:solidFill>
                       <a:srgbClr val="000000"/>
                     </a:solidFill>
@@ -10176,7 +10176,7 @@
               </a:ln>
               <a:extLst>
                 <a:ext uri="{91240B29-F687-4f45-9708-019B960494DF}">
-                  <a14:hiddenLine xmlns="" xmlns:a14="http://schemas.microsoft.com/office/drawing/2010/main" w="9525">
+                  <a14:hiddenLine xmlns:a14="http://schemas.microsoft.com/office/drawing/2010/main" xmlns="" w="9525">
                     <a:solidFill>
                       <a:srgbClr val="000000"/>
                     </a:solidFill>
@@ -10266,7 +10266,7 @@
               </a:ln>
               <a:extLst>
                 <a:ext uri="{91240B29-F687-4f45-9708-019B960494DF}">
-                  <a14:hiddenLine xmlns="" xmlns:a14="http://schemas.microsoft.com/office/drawing/2010/main" w="9525">
+                  <a14:hiddenLine xmlns:a14="http://schemas.microsoft.com/office/drawing/2010/main" xmlns="" w="9525">
                     <a:solidFill>
                       <a:srgbClr val="000000"/>
                     </a:solidFill>
@@ -10300,7 +10300,7 @@
               </a:ln>
               <a:extLst>
                 <a:ext uri="{91240B29-F687-4f45-9708-019B960494DF}">
-                  <a14:hiddenLine xmlns="" xmlns:a14="http://schemas.microsoft.com/office/drawing/2010/main" w="9525">
+                  <a14:hiddenLine xmlns:a14="http://schemas.microsoft.com/office/drawing/2010/main" xmlns="" w="9525">
                     <a:solidFill>
                       <a:srgbClr val="000000"/>
                     </a:solidFill>
@@ -10365,7 +10365,7 @@
               </a:ln>
               <a:extLst>
                 <a:ext uri="{91240B29-F687-4f45-9708-019B960494DF}">
-                  <a14:hiddenLine xmlns="" xmlns:a14="http://schemas.microsoft.com/office/drawing/2010/main" w="9525">
+                  <a14:hiddenLine xmlns:a14="http://schemas.microsoft.com/office/drawing/2010/main" xmlns="" w="9525">
                     <a:solidFill>
                       <a:srgbClr val="000000"/>
                     </a:solidFill>
@@ -10455,7 +10455,7 @@
               </a:ln>
               <a:extLst>
                 <a:ext uri="{91240B29-F687-4f45-9708-019B960494DF}">
-                  <a14:hiddenLine xmlns="" xmlns:a14="http://schemas.microsoft.com/office/drawing/2010/main" w="9525">
+                  <a14:hiddenLine xmlns:a14="http://schemas.microsoft.com/office/drawing/2010/main" xmlns="" w="9525">
                     <a:solidFill>
                       <a:srgbClr val="000000"/>
                     </a:solidFill>
@@ -10517,7 +10517,7 @@
               </a:ln>
               <a:extLst>
                 <a:ext uri="{91240B29-F687-4f45-9708-019B960494DF}">
-                  <a14:hiddenLine xmlns="" xmlns:a14="http://schemas.microsoft.com/office/drawing/2010/main" w="9525">
+                  <a14:hiddenLine xmlns:a14="http://schemas.microsoft.com/office/drawing/2010/main" xmlns="" w="9525">
                     <a:solidFill>
                       <a:srgbClr val="000000"/>
                     </a:solidFill>
@@ -10607,7 +10607,7 @@
               </a:ln>
               <a:extLst>
                 <a:ext uri="{91240B29-F687-4f45-9708-019B960494DF}">
-                  <a14:hiddenLine xmlns="" xmlns:a14="http://schemas.microsoft.com/office/drawing/2010/main" w="9525">
+                  <a14:hiddenLine xmlns:a14="http://schemas.microsoft.com/office/drawing/2010/main" xmlns="" w="9525">
                     <a:solidFill>
                       <a:srgbClr val="000000"/>
                     </a:solidFill>
@@ -10672,7 +10672,7 @@
               </a:ln>
               <a:extLst>
                 <a:ext uri="{91240B29-F687-4f45-9708-019B960494DF}">
-                  <a14:hiddenLine xmlns="" xmlns:a14="http://schemas.microsoft.com/office/drawing/2010/main" w="9525">
+                  <a14:hiddenLine xmlns:a14="http://schemas.microsoft.com/office/drawing/2010/main" xmlns="" w="9525">
                     <a:solidFill>
                       <a:srgbClr val="000000"/>
                     </a:solidFill>
@@ -10734,7 +10734,7 @@
               </a:ln>
               <a:extLst>
                 <a:ext uri="{91240B29-F687-4f45-9708-019B960494DF}">
-                  <a14:hiddenLine xmlns="" xmlns:a14="http://schemas.microsoft.com/office/drawing/2010/main" w="9525">
+                  <a14:hiddenLine xmlns:a14="http://schemas.microsoft.com/office/drawing/2010/main" xmlns="" w="9525">
                     <a:solidFill>
                       <a:srgbClr val="000000"/>
                     </a:solidFill>
@@ -10824,7 +10824,7 @@
               </a:ln>
               <a:extLst>
                 <a:ext uri="{91240B29-F687-4f45-9708-019B960494DF}">
-                  <a14:hiddenLine xmlns="" xmlns:a14="http://schemas.microsoft.com/office/drawing/2010/main" w="9525">
+                  <a14:hiddenLine xmlns:a14="http://schemas.microsoft.com/office/drawing/2010/main" xmlns="" w="9525">
                     <a:solidFill>
                       <a:srgbClr val="000000"/>
                     </a:solidFill>
@@ -10914,7 +10914,7 @@
               </a:ln>
               <a:extLst>
                 <a:ext uri="{91240B29-F687-4f45-9708-019B960494DF}">
-                  <a14:hiddenLine xmlns="" xmlns:a14="http://schemas.microsoft.com/office/drawing/2010/main" w="9525">
+                  <a14:hiddenLine xmlns:a14="http://schemas.microsoft.com/office/drawing/2010/main" xmlns="" w="9525">
                     <a:solidFill>
                       <a:srgbClr val="000000"/>
                     </a:solidFill>
@@ -10979,7 +10979,7 @@
               </a:ln>
               <a:extLst>
                 <a:ext uri="{91240B29-F687-4f45-9708-019B960494DF}">
-                  <a14:hiddenLine xmlns="" xmlns:a14="http://schemas.microsoft.com/office/drawing/2010/main" w="9525">
+                  <a14:hiddenLine xmlns:a14="http://schemas.microsoft.com/office/drawing/2010/main" xmlns="" w="9525">
                     <a:solidFill>
                       <a:srgbClr val="000000"/>
                     </a:solidFill>
@@ -11099,7 +11099,7 @@
               </a:ln>
               <a:extLst>
                 <a:ext uri="{91240B29-F687-4f45-9708-019B960494DF}">
-                  <a14:hiddenLine xmlns="" xmlns:a14="http://schemas.microsoft.com/office/drawing/2010/main" w="9525">
+                  <a14:hiddenLine xmlns:a14="http://schemas.microsoft.com/office/drawing/2010/main" xmlns="" w="9525">
                     <a:solidFill>
                       <a:srgbClr val="000000"/>
                     </a:solidFill>
@@ -11180,7 +11180,7 @@
               </a:ln>
               <a:extLst>
                 <a:ext uri="{91240B29-F687-4f45-9708-019B960494DF}">
-                  <a14:hiddenLine xmlns="" xmlns:a14="http://schemas.microsoft.com/office/drawing/2010/main" w="9525">
+                  <a14:hiddenLine xmlns:a14="http://schemas.microsoft.com/office/drawing/2010/main" xmlns="" w="9525">
                     <a:solidFill>
                       <a:srgbClr val="000000"/>
                     </a:solidFill>
@@ -11295,7 +11295,7 @@
               </a:ln>
               <a:extLst>
                 <a:ext uri="{91240B29-F687-4f45-9708-019B960494DF}">
-                  <a14:hiddenLine xmlns="" xmlns:a14="http://schemas.microsoft.com/office/drawing/2010/main" w="9525">
+                  <a14:hiddenLine xmlns:a14="http://schemas.microsoft.com/office/drawing/2010/main" xmlns="" w="9525">
                     <a:solidFill>
                       <a:srgbClr val="000000"/>
                     </a:solidFill>
@@ -11385,7 +11385,7 @@
               </a:ln>
               <a:extLst>
                 <a:ext uri="{91240B29-F687-4f45-9708-019B960494DF}">
-                  <a14:hiddenLine xmlns="" xmlns:a14="http://schemas.microsoft.com/office/drawing/2010/main" w="9525">
+                  <a14:hiddenLine xmlns:a14="http://schemas.microsoft.com/office/drawing/2010/main" xmlns="" w="9525">
                     <a:solidFill>
                       <a:srgbClr val="000000"/>
                     </a:solidFill>
@@ -11450,7 +11450,7 @@
               </a:ln>
               <a:extLst>
                 <a:ext uri="{91240B29-F687-4f45-9708-019B960494DF}">
-                  <a14:hiddenLine xmlns="" xmlns:a14="http://schemas.microsoft.com/office/drawing/2010/main" w="9525">
+                  <a14:hiddenLine xmlns:a14="http://schemas.microsoft.com/office/drawing/2010/main" xmlns="" w="9525">
                     <a:solidFill>
                       <a:srgbClr val="000000"/>
                     </a:solidFill>
@@ -11540,7 +11540,7 @@
               </a:ln>
               <a:extLst>
                 <a:ext uri="{91240B29-F687-4f45-9708-019B960494DF}">
-                  <a14:hiddenLine xmlns="" xmlns:a14="http://schemas.microsoft.com/office/drawing/2010/main" w="9525">
+                  <a14:hiddenLine xmlns:a14="http://schemas.microsoft.com/office/drawing/2010/main" xmlns="" w="9525">
                     <a:solidFill>
                       <a:srgbClr val="000000"/>
                     </a:solidFill>
@@ -11608,7 +11608,7 @@
               </a:ln>
               <a:extLst>
                 <a:ext uri="{91240B29-F687-4f45-9708-019B960494DF}">
-                  <a14:hiddenLine xmlns="" xmlns:a14="http://schemas.microsoft.com/office/drawing/2010/main" w="9525">
+                  <a14:hiddenLine xmlns:a14="http://schemas.microsoft.com/office/drawing/2010/main" xmlns="" w="9525">
                     <a:solidFill>
                       <a:srgbClr val="000000"/>
                     </a:solidFill>
@@ -11698,7 +11698,7 @@
               </a:ln>
               <a:extLst>
                 <a:ext uri="{91240B29-F687-4f45-9708-019B960494DF}">
-                  <a14:hiddenLine xmlns="" xmlns:a14="http://schemas.microsoft.com/office/drawing/2010/main" w="9525">
+                  <a14:hiddenLine xmlns:a14="http://schemas.microsoft.com/office/drawing/2010/main" xmlns="" w="9525">
                     <a:solidFill>
                       <a:srgbClr val="000000"/>
                     </a:solidFill>
@@ -11766,7 +11766,7 @@
               </a:ln>
               <a:extLst>
                 <a:ext uri="{91240B29-F687-4f45-9708-019B960494DF}">
-                  <a14:hiddenLine xmlns="" xmlns:a14="http://schemas.microsoft.com/office/drawing/2010/main" w="9525">
+                  <a14:hiddenLine xmlns:a14="http://schemas.microsoft.com/office/drawing/2010/main" xmlns="" w="9525">
                     <a:solidFill>
                       <a:srgbClr val="000000"/>
                     </a:solidFill>
@@ -11856,7 +11856,7 @@
               </a:ln>
               <a:extLst>
                 <a:ext uri="{91240B29-F687-4f45-9708-019B960494DF}">
-                  <a14:hiddenLine xmlns="" xmlns:a14="http://schemas.microsoft.com/office/drawing/2010/main" w="9525">
+                  <a14:hiddenLine xmlns:a14="http://schemas.microsoft.com/office/drawing/2010/main" xmlns="" w="9525">
                     <a:solidFill>
                       <a:srgbClr val="000000"/>
                     </a:solidFill>
@@ -11890,7 +11890,7 @@
               </a:ln>
               <a:extLst>
                 <a:ext uri="{91240B29-F687-4f45-9708-019B960494DF}">
-                  <a14:hiddenLine xmlns="" xmlns:a14="http://schemas.microsoft.com/office/drawing/2010/main" w="9525">
+                  <a14:hiddenLine xmlns:a14="http://schemas.microsoft.com/office/drawing/2010/main" xmlns="" w="9525">
                     <a:solidFill>
                       <a:srgbClr val="000000"/>
                     </a:solidFill>
@@ -12031,7 +12031,7 @@
             <a:fld id="{48A87A34-81AB-432B-8DAE-1953F412C126}" type="datetimeFigureOut">
               <a:rPr lang="en-US" smtClean="0"/>
               <a:pPr/>
-              <a:t>4/25/2018</a:t>
+              <a:t>4/26/2018</a:t>
             </a:fld>
             <a:endParaRPr lang="en-US" dirty="0"/>
           </a:p>
@@ -13964,8 +13964,21 @@
           <a:p>
             <a:r>
               <a:rPr lang="en-US" dirty="0"/>
-              <a:t>Coding Language: HTML 5, PHP, SQL</a:t>
+              <a:t>Coding Language</a:t>
             </a:r>
+            <a:r>
+              <a:rPr lang="en-US"/>
+              <a:t>: HTML5, CSS, </a:t>
+            </a:r>
+            <a:r>
+              <a:rPr lang="en-US" dirty="0"/>
+              <a:t>PHP</a:t>
+            </a:r>
+            <a:r>
+              <a:rPr lang="en-US"/>
+              <a:t>, SQL</a:t>
+            </a:r>
+            <a:endParaRPr lang="en-US" dirty="0"/>
           </a:p>
           <a:p>
             <a:r>
